--- a/docs/refguide/latest/applib-svc/_images/reference-services/commands-and-events.pptx
+++ b/docs/refguide/latest/applib-svc/_images/reference-services/commands-and-events.pptx
@@ -243,7 +243,7 @@
           <a:p>
             <a:fld id="{F855B3F0-BB84-4743-96EB-565470B6C0EB}" type="datetimeFigureOut">
               <a:rPr lang="en-GB" smtClean="0"/>
-              <a:t>21/02/2020</a:t>
+              <a:t>20/09/2020</a:t>
             </a:fld>
             <a:endParaRPr lang="en-GB"/>
           </a:p>
@@ -413,7 +413,7 @@
           <a:p>
             <a:fld id="{F855B3F0-BB84-4743-96EB-565470B6C0EB}" type="datetimeFigureOut">
               <a:rPr lang="en-GB" smtClean="0"/>
-              <a:t>21/02/2020</a:t>
+              <a:t>20/09/2020</a:t>
             </a:fld>
             <a:endParaRPr lang="en-GB"/>
           </a:p>
@@ -593,7 +593,7 @@
           <a:p>
             <a:fld id="{F855B3F0-BB84-4743-96EB-565470B6C0EB}" type="datetimeFigureOut">
               <a:rPr lang="en-GB" smtClean="0"/>
-              <a:t>21/02/2020</a:t>
+              <a:t>20/09/2020</a:t>
             </a:fld>
             <a:endParaRPr lang="en-GB"/>
           </a:p>
@@ -763,7 +763,7 @@
           <a:p>
             <a:fld id="{F855B3F0-BB84-4743-96EB-565470B6C0EB}" type="datetimeFigureOut">
               <a:rPr lang="en-GB" smtClean="0"/>
-              <a:t>21/02/2020</a:t>
+              <a:t>20/09/2020</a:t>
             </a:fld>
             <a:endParaRPr lang="en-GB"/>
           </a:p>
@@ -1009,7 +1009,7 @@
           <a:p>
             <a:fld id="{F855B3F0-BB84-4743-96EB-565470B6C0EB}" type="datetimeFigureOut">
               <a:rPr lang="en-GB" smtClean="0"/>
-              <a:t>21/02/2020</a:t>
+              <a:t>20/09/2020</a:t>
             </a:fld>
             <a:endParaRPr lang="en-GB"/>
           </a:p>
@@ -1241,7 +1241,7 @@
           <a:p>
             <a:fld id="{F855B3F0-BB84-4743-96EB-565470B6C0EB}" type="datetimeFigureOut">
               <a:rPr lang="en-GB" smtClean="0"/>
-              <a:t>21/02/2020</a:t>
+              <a:t>20/09/2020</a:t>
             </a:fld>
             <a:endParaRPr lang="en-GB"/>
           </a:p>
@@ -1608,7 +1608,7 @@
           <a:p>
             <a:fld id="{F855B3F0-BB84-4743-96EB-565470B6C0EB}" type="datetimeFigureOut">
               <a:rPr lang="en-GB" smtClean="0"/>
-              <a:t>21/02/2020</a:t>
+              <a:t>20/09/2020</a:t>
             </a:fld>
             <a:endParaRPr lang="en-GB"/>
           </a:p>
@@ -1726,7 +1726,7 @@
           <a:p>
             <a:fld id="{F855B3F0-BB84-4743-96EB-565470B6C0EB}" type="datetimeFigureOut">
               <a:rPr lang="en-GB" smtClean="0"/>
-              <a:t>21/02/2020</a:t>
+              <a:t>20/09/2020</a:t>
             </a:fld>
             <a:endParaRPr lang="en-GB"/>
           </a:p>
@@ -1821,7 +1821,7 @@
           <a:p>
             <a:fld id="{F855B3F0-BB84-4743-96EB-565470B6C0EB}" type="datetimeFigureOut">
               <a:rPr lang="en-GB" smtClean="0"/>
-              <a:t>21/02/2020</a:t>
+              <a:t>20/09/2020</a:t>
             </a:fld>
             <a:endParaRPr lang="en-GB"/>
           </a:p>
@@ -2098,7 +2098,7 @@
           <a:p>
             <a:fld id="{F855B3F0-BB84-4743-96EB-565470B6C0EB}" type="datetimeFigureOut">
               <a:rPr lang="en-GB" smtClean="0"/>
-              <a:t>21/02/2020</a:t>
+              <a:t>20/09/2020</a:t>
             </a:fld>
             <a:endParaRPr lang="en-GB"/>
           </a:p>
@@ -2355,7 +2355,7 @@
           <a:p>
             <a:fld id="{F855B3F0-BB84-4743-96EB-565470B6C0EB}" type="datetimeFigureOut">
               <a:rPr lang="en-GB" smtClean="0"/>
-              <a:t>21/02/2020</a:t>
+              <a:t>20/09/2020</a:t>
             </a:fld>
             <a:endParaRPr lang="en-GB"/>
           </a:p>
@@ -2568,7 +2568,7 @@
           <a:p>
             <a:fld id="{F855B3F0-BB84-4743-96EB-565470B6C0EB}" type="datetimeFigureOut">
               <a:rPr lang="en-GB" smtClean="0"/>
-              <a:t>21/02/2020</a:t>
+              <a:t>20/09/2020</a:t>
             </a:fld>
             <a:endParaRPr lang="en-GB"/>
           </a:p>
@@ -2981,7 +2981,7 @@
         </p:nvSpPr>
         <p:spPr>
           <a:xfrm>
-            <a:off x="8296353" y="3188643"/>
+            <a:off x="8191296" y="3795646"/>
             <a:ext cx="1649759" cy="550678"/>
           </a:xfrm>
           <a:prstGeom prst="rect">
@@ -3023,7 +3023,7 @@
         </p:nvSpPr>
         <p:spPr>
           <a:xfrm>
-            <a:off x="2002634" y="5145084"/>
+            <a:off x="2002634" y="5121738"/>
             <a:ext cx="3944691" cy="1048662"/>
           </a:xfrm>
           <a:prstGeom prst="rect">
@@ -3032,13 +3032,13 @@
         </p:spPr>
         <p:style>
           <a:lnRef idx="1">
-            <a:schemeClr val="accent3"/>
+            <a:schemeClr val="accent5"/>
           </a:lnRef>
           <a:fillRef idx="2">
-            <a:schemeClr val="accent3"/>
+            <a:schemeClr val="accent5"/>
           </a:fillRef>
           <a:effectRef idx="1">
-            <a:schemeClr val="accent3"/>
+            <a:schemeClr val="accent5"/>
           </a:effectRef>
           <a:fontRef idx="minor">
             <a:schemeClr val="dk1"/>
@@ -3073,8 +3073,8 @@
         </p:nvSpPr>
         <p:spPr>
           <a:xfrm>
-            <a:off x="2233446" y="1963584"/>
-            <a:ext cx="3569661" cy="2678962"/>
+            <a:off x="2233446" y="1871632"/>
+            <a:ext cx="3569661" cy="2607492"/>
           </a:xfrm>
           <a:prstGeom prst="rect">
             <a:avLst/>
@@ -3117,8 +3117,8 @@
         </p:nvSpPr>
         <p:spPr>
           <a:xfrm>
-            <a:off x="335440" y="1963584"/>
-            <a:ext cx="1408904" cy="2678962"/>
+            <a:off x="335440" y="1871632"/>
+            <a:ext cx="1408904" cy="2607491"/>
           </a:xfrm>
           <a:prstGeom prst="rect">
             <a:avLst/>
@@ -3186,7 +3186,7 @@
         </p:nvSpPr>
         <p:spPr>
           <a:xfrm>
-            <a:off x="2900657" y="2411922"/>
+            <a:off x="2900657" y="2248500"/>
             <a:ext cx="1116419" cy="2029047"/>
           </a:xfrm>
           <a:prstGeom prst="rect">
@@ -3262,7 +3262,7 @@
         </p:nvSpPr>
         <p:spPr>
           <a:xfrm>
-            <a:off x="2900655" y="5280943"/>
+            <a:off x="2900655" y="5257597"/>
             <a:ext cx="1116419" cy="522347"/>
           </a:xfrm>
           <a:prstGeom prst="rect">
@@ -3312,7 +3312,7 @@
         </p:nvSpPr>
         <p:spPr>
           <a:xfrm>
-            <a:off x="2013706" y="315219"/>
+            <a:off x="2013706" y="151797"/>
             <a:ext cx="3933616" cy="1005107"/>
           </a:xfrm>
           <a:prstGeom prst="rect">
@@ -3360,13 +3360,15 @@
       <p:cxnSp>
         <p:nvCxnSpPr>
           <p:cNvPr id="92" name="Straight Arrow Connector 91"/>
-          <p:cNvCxnSpPr/>
+          <p:cNvCxnSpPr>
+            <a:cxnSpLocks/>
+          </p:cNvCxnSpPr>
           <p:nvPr/>
         </p:nvCxnSpPr>
         <p:spPr>
           <a:xfrm flipH="1">
-            <a:off x="3047154" y="4413680"/>
-            <a:ext cx="2" cy="839974"/>
+            <a:off x="3031678" y="4250258"/>
+            <a:ext cx="15478" cy="1007339"/>
           </a:xfrm>
           <a:prstGeom prst="straightConnector1">
             <a:avLst/>
@@ -3404,7 +3406,7 @@
         </p:nvSpPr>
         <p:spPr>
           <a:xfrm>
-            <a:off x="2453183" y="684352"/>
+            <a:off x="2453183" y="520930"/>
             <a:ext cx="3178477" cy="467623"/>
           </a:xfrm>
           <a:prstGeom prst="rect">
@@ -3450,7 +3452,7 @@
         </p:nvCxnSpPr>
         <p:spPr>
           <a:xfrm flipH="1" flipV="1">
-            <a:off x="3458864" y="1173309"/>
+            <a:off x="3458864" y="1009887"/>
             <a:ext cx="3" cy="1238610"/>
           </a:xfrm>
           <a:prstGeom prst="straightConnector1">
@@ -3490,7 +3492,7 @@
         </p:nvSpPr>
         <p:spPr>
           <a:xfrm>
-            <a:off x="3453351" y="1298139"/>
+            <a:off x="3453351" y="1134717"/>
             <a:ext cx="2141933" cy="261610"/>
           </a:xfrm>
           <a:prstGeom prst="rect">
@@ -3523,7 +3525,7 @@
         </p:nvSpPr>
         <p:spPr>
           <a:xfrm>
-            <a:off x="2013708" y="1595876"/>
+            <a:off x="2013708" y="1432454"/>
             <a:ext cx="3933617" cy="3174087"/>
           </a:xfrm>
           <a:prstGeom prst="rect">
@@ -3575,7 +3577,7 @@
         </p:nvSpPr>
         <p:spPr>
           <a:xfrm>
-            <a:off x="6150645" y="2286384"/>
+            <a:off x="6150645" y="2741638"/>
             <a:ext cx="1696533" cy="600163"/>
           </a:xfrm>
           <a:prstGeom prst="rect">
@@ -3639,7 +3641,7 @@
         </p:nvSpPr>
         <p:spPr>
           <a:xfrm>
-            <a:off x="6150646" y="272748"/>
+            <a:off x="6150646" y="109326"/>
             <a:ext cx="1633864" cy="550678"/>
           </a:xfrm>
           <a:prstGeom prst="rect">
@@ -3703,7 +3705,7 @@
         </p:nvSpPr>
         <p:spPr>
           <a:xfrm>
-            <a:off x="8220733" y="3099063"/>
+            <a:off x="8115676" y="3706066"/>
             <a:ext cx="1649759" cy="550678"/>
           </a:xfrm>
           <a:prstGeom prst="rect">
@@ -3756,62 +3758,6 @@
           </a:p>
         </p:txBody>
       </p:sp>
-      <p:sp>
-        <p:nvSpPr>
-          <p:cNvPr id="103" name="Rectangle 102"/>
-          <p:cNvSpPr/>
-          <p:nvPr/>
-        </p:nvSpPr>
-        <p:spPr>
-          <a:xfrm>
-            <a:off x="197299" y="1595876"/>
-            <a:ext cx="1697674" cy="3174087"/>
-          </a:xfrm>
-          <a:prstGeom prst="rect">
-            <a:avLst/>
-          </a:prstGeom>
-          <a:noFill/>
-        </p:spPr>
-        <p:style>
-          <a:lnRef idx="2">
-            <a:schemeClr val="accent1">
-              <a:shade val="50000"/>
-            </a:schemeClr>
-          </a:lnRef>
-          <a:fillRef idx="1">
-            <a:schemeClr val="accent1"/>
-          </a:fillRef>
-          <a:effectRef idx="0">
-            <a:schemeClr val="accent1"/>
-          </a:effectRef>
-          <a:fontRef idx="minor">
-            <a:schemeClr val="lt1"/>
-          </a:fontRef>
-        </p:style>
-        <p:txBody>
-          <a:bodyPr rtlCol="0" anchor="t" anchorCtr="0"/>
-          <a:lstStyle/>
-          <a:p>
-            <a:r>
-              <a:rPr lang="en-GB" sz="1600" dirty="0" err="1">
-                <a:solidFill>
-                  <a:schemeClr val="bg1">
-                    <a:lumMod val="50000"/>
-                  </a:schemeClr>
-                </a:solidFill>
-              </a:rPr>
-              <a:t>CommandContext</a:t>
-            </a:r>
-            <a:endParaRPr lang="en-GB" sz="1600" dirty="0">
-              <a:solidFill>
-                <a:schemeClr val="bg1">
-                  <a:lumMod val="50000"/>
-                </a:schemeClr>
-              </a:solidFill>
-            </a:endParaRPr>
-          </a:p>
-        </p:txBody>
-      </p:sp>
       <p:cxnSp>
         <p:nvCxnSpPr>
           <p:cNvPr id="105" name="Curved Connector 104"/>
@@ -3822,9 +3768,9 @@
           <p:nvPr/>
         </p:nvCxnSpPr>
         <p:spPr>
-          <a:xfrm flipV="1">
-            <a:off x="4072207" y="2586466"/>
-            <a:ext cx="2078438" cy="128713"/>
+          <a:xfrm>
+            <a:off x="4072207" y="2428945"/>
+            <a:ext cx="2078438" cy="612775"/>
           </a:xfrm>
           <a:prstGeom prst="curvedConnector3">
             <a:avLst>
@@ -3861,14 +3807,13 @@
           <p:cNvPr id="107" name="Curved Connector 106"/>
           <p:cNvCxnSpPr>
             <a:cxnSpLocks/>
-            <a:endCxn id="100" idx="0"/>
           </p:cNvCxnSpPr>
           <p:nvPr/>
         </p:nvCxnSpPr>
         <p:spPr>
           <a:xfrm>
-            <a:off x="5627771" y="1336706"/>
-            <a:ext cx="1371141" cy="949678"/>
+            <a:off x="5631660" y="840344"/>
+            <a:ext cx="1367252" cy="1936313"/>
           </a:xfrm>
           <a:prstGeom prst="curvedConnector2">
             <a:avLst/>
@@ -3906,7 +3851,7 @@
         </p:nvSpPr>
         <p:spPr>
           <a:xfrm>
-            <a:off x="6049064" y="2946179"/>
+            <a:off x="6049064" y="3401433"/>
             <a:ext cx="1494320" cy="600164"/>
           </a:xfrm>
           <a:prstGeom prst="rect">
@@ -3966,7 +3911,7 @@
         </p:nvSpPr>
         <p:spPr>
           <a:xfrm>
-            <a:off x="6876315" y="1719173"/>
+            <a:off x="6965808" y="2178318"/>
             <a:ext cx="1721946" cy="430887"/>
           </a:xfrm>
           <a:prstGeom prst="rect">
@@ -4016,7 +3961,7 @@
         </p:nvCxnSpPr>
         <p:spPr>
           <a:xfrm flipV="1">
-            <a:off x="5631660" y="823426"/>
+            <a:off x="5631660" y="660004"/>
             <a:ext cx="1335918" cy="94738"/>
           </a:xfrm>
           <a:prstGeom prst="curvedConnector2">
@@ -4053,7 +3998,7 @@
         </p:nvSpPr>
         <p:spPr>
           <a:xfrm>
-            <a:off x="6530010" y="977600"/>
+            <a:off x="6530010" y="814178"/>
             <a:ext cx="1515158" cy="430887"/>
           </a:xfrm>
           <a:prstGeom prst="rect">
@@ -4101,21 +4046,21 @@
         </p:nvSpPr>
         <p:spPr>
           <a:xfrm>
-            <a:off x="197299" y="5643068"/>
-            <a:ext cx="1697676" cy="550678"/>
+            <a:off x="197299" y="4802608"/>
+            <a:ext cx="1697676" cy="325817"/>
           </a:xfrm>
           <a:prstGeom prst="rect">
             <a:avLst/>
           </a:prstGeom>
         </p:spPr>
         <p:style>
-          <a:lnRef idx="1">
+          <a:lnRef idx="2">
             <a:schemeClr val="accent3"/>
           </a:lnRef>
-          <a:fillRef idx="2">
-            <a:schemeClr val="accent3"/>
+          <a:fillRef idx="1">
+            <a:schemeClr val="lt1"/>
           </a:fillRef>
-          <a:effectRef idx="1">
+          <a:effectRef idx="0">
             <a:schemeClr val="accent3"/>
           </a:effectRef>
           <a:fontRef idx="minor">
@@ -4135,21 +4080,11 @@
               </a:rPr>
               <a:t>CommandService</a:t>
             </a:r>
-            <a:br>
-              <a:rPr lang="en-GB" sz="1600" dirty="0">
-                <a:solidFill>
-                  <a:schemeClr val="tx1"/>
-                </a:solidFill>
-              </a:rPr>
-            </a:br>
-            <a:r>
-              <a:rPr lang="en-GB" sz="1600" dirty="0">
-                <a:solidFill>
-                  <a:schemeClr val="tx1"/>
-                </a:solidFill>
-              </a:rPr>
-              <a:t>SPI</a:t>
-            </a:r>
+            <a:endParaRPr lang="en-GB" sz="1600" dirty="0">
+              <a:solidFill>
+                <a:schemeClr val="tx1"/>
+              </a:solidFill>
+            </a:endParaRPr>
           </a:p>
         </p:txBody>
       </p:sp>
@@ -4165,8 +4100,8 @@
         </p:nvCxnSpPr>
         <p:spPr>
           <a:xfrm>
-            <a:off x="7847178" y="2586466"/>
-            <a:ext cx="1198435" cy="512597"/>
+            <a:off x="7847178" y="3041720"/>
+            <a:ext cx="1093378" cy="664346"/>
           </a:xfrm>
           <a:prstGeom prst="curvedConnector2">
             <a:avLst/>
@@ -4200,6 +4135,7 @@
         <p:nvCxnSpPr>
           <p:cNvPr id="116" name="Curved Connector 115"/>
           <p:cNvCxnSpPr>
+            <a:cxnSpLocks/>
             <a:stCxn id="85" idx="2"/>
             <a:endCxn id="112" idx="0"/>
           </p:cNvCxnSpPr>
@@ -4207,8 +4143,8 @@
         </p:nvCxnSpPr>
         <p:spPr>
           <a:xfrm rot="16200000" flipH="1">
-            <a:off x="542753" y="5139684"/>
-            <a:ext cx="1000522" cy="6245"/>
+            <a:off x="881272" y="4637742"/>
+            <a:ext cx="323485" cy="6245"/>
           </a:xfrm>
           <a:prstGeom prst="curvedConnector3">
             <a:avLst>
@@ -4246,8 +4182,8 @@
         </p:nvSpPr>
         <p:spPr>
           <a:xfrm>
-            <a:off x="4042639" y="4756342"/>
-            <a:ext cx="1937924" cy="600164"/>
+            <a:off x="4038747" y="4592920"/>
+            <a:ext cx="1965163" cy="461665"/>
           </a:xfrm>
           <a:prstGeom prst="rect">
             <a:avLst/>
@@ -4262,55 +4198,17 @@
           <a:p>
             <a:pPr algn="ctr"/>
             <a:r>
-              <a:rPr lang="en-GB" sz="1100" dirty="0">
+              <a:rPr lang="en-GB" sz="1200" dirty="0">
                 <a:solidFill>
                   <a:schemeClr val="bg1">
                     <a:lumMod val="50000"/>
                   </a:schemeClr>
                 </a:solidFill>
               </a:rPr>
-              <a:t>Broadcast</a:t>
-            </a:r>
-            <a:br>
-              <a:rPr lang="en-GB" sz="1100" dirty="0">
-                <a:solidFill>
-                  <a:schemeClr val="bg1">
-                    <a:lumMod val="50000"/>
-                  </a:schemeClr>
-                </a:solidFill>
-              </a:rPr>
-            </a:br>
-            <a:r>
-              <a:rPr lang="en-GB" sz="1100" dirty="0">
-                <a:solidFill>
-                  <a:schemeClr val="bg1">
-                    <a:lumMod val="50000"/>
-                  </a:schemeClr>
-                </a:solidFill>
-              </a:rPr>
-              <a:t>pre- and post-</a:t>
-            </a:r>
-            <a:br>
-              <a:rPr lang="en-GB" sz="1100" dirty="0">
-                <a:solidFill>
-                  <a:schemeClr val="bg1">
-                    <a:lumMod val="50000"/>
-                  </a:schemeClr>
-                </a:solidFill>
-              </a:rPr>
-            </a:br>
-            <a:r>
-              <a:rPr lang="en-GB" sz="1100" dirty="0">
-                <a:solidFill>
-                  <a:schemeClr val="bg1">
-                    <a:lumMod val="50000"/>
-                  </a:schemeClr>
-                </a:solidFill>
-              </a:rPr>
-              <a:t>via </a:t>
-            </a:r>
-            <a:r>
-              <a:rPr lang="en-GB" sz="1100" dirty="0" err="1">
+              <a:t>Broadcast pre- and post- events through </a:t>
+            </a:r>
+            <a:r>
+              <a:rPr lang="en-GB" sz="1200" dirty="0" err="1">
                 <a:solidFill>
                   <a:schemeClr val="bg1">
                     <a:lumMod val="50000"/>
@@ -4319,7 +4217,7 @@
               </a:rPr>
               <a:t>EventBus</a:t>
             </a:r>
-            <a:endParaRPr lang="en-GB" sz="1100" dirty="0">
+            <a:endParaRPr lang="en-GB" sz="1200" dirty="0">
               <a:solidFill>
                 <a:schemeClr val="bg1">
                   <a:lumMod val="50000"/>
@@ -4337,8 +4235,8 @@
         </p:nvSpPr>
         <p:spPr>
           <a:xfrm>
-            <a:off x="187163" y="5175331"/>
-            <a:ext cx="840295" cy="430887"/>
+            <a:off x="202396" y="5148098"/>
+            <a:ext cx="809837" cy="430887"/>
           </a:xfrm>
           <a:prstGeom prst="rect">
             <a:avLst/>
@@ -4360,7 +4258,7 @@
                   </a:schemeClr>
                 </a:solidFill>
               </a:rPr>
-              <a:t>Command</a:t>
+              <a:t>at end of</a:t>
             </a:r>
             <a:br>
               <a:rPr lang="en-GB" sz="1100" dirty="0">
@@ -4379,7 +4277,7 @@
                   </a:schemeClr>
                 </a:solidFill>
               </a:rPr>
-              <a:t>persistence</a:t>
+              <a:t>interaction</a:t>
             </a:r>
           </a:p>
         </p:txBody>
@@ -4392,7 +4290,7 @@
         </p:nvSpPr>
         <p:spPr>
           <a:xfrm>
-            <a:off x="4604493" y="3701335"/>
+            <a:off x="4604493" y="3537913"/>
             <a:ext cx="1132106" cy="830997"/>
           </a:xfrm>
           <a:prstGeom prst="rect">
@@ -4438,13 +4336,15 @@
       <p:cxnSp>
         <p:nvCxnSpPr>
           <p:cNvPr id="120" name="Straight Arrow Connector 119"/>
-          <p:cNvCxnSpPr/>
+          <p:cNvCxnSpPr>
+            <a:cxnSpLocks/>
+          </p:cNvCxnSpPr>
           <p:nvPr/>
         </p:nvCxnSpPr>
         <p:spPr>
-          <a:xfrm flipH="1">
-            <a:off x="3925915" y="4442342"/>
-            <a:ext cx="2" cy="839974"/>
+          <a:xfrm>
+            <a:off x="3925917" y="4278920"/>
+            <a:ext cx="0" cy="978677"/>
           </a:xfrm>
           <a:prstGeom prst="straightConnector1">
             <a:avLst/>
@@ -4482,7 +4382,7 @@
         </p:nvSpPr>
         <p:spPr>
           <a:xfrm>
-            <a:off x="8296351" y="1035432"/>
+            <a:off x="8296351" y="872010"/>
             <a:ext cx="1649759" cy="550678"/>
           </a:xfrm>
           <a:prstGeom prst="rect">
@@ -4524,7 +4424,7 @@
         </p:nvSpPr>
         <p:spPr>
           <a:xfrm>
-            <a:off x="8220731" y="945852"/>
+            <a:off x="8220731" y="782430"/>
             <a:ext cx="1649759" cy="550678"/>
           </a:xfrm>
           <a:prstGeom prst="rect">
@@ -4589,7 +4489,7 @@
         </p:nvCxnSpPr>
         <p:spPr>
           <a:xfrm>
-            <a:off x="7784510" y="548087"/>
+            <a:off x="7784510" y="384665"/>
             <a:ext cx="1261101" cy="397765"/>
           </a:xfrm>
           <a:prstGeom prst="curvedConnector2">
@@ -4634,7 +4534,7 @@
         </p:nvSpPr>
         <p:spPr>
           <a:xfrm rot="5400000" flipV="1">
-            <a:off x="3855784" y="3130837"/>
+            <a:off x="3855784" y="2967415"/>
             <a:ext cx="1127200" cy="694354"/>
           </a:xfrm>
           <a:prstGeom prst="curvedUpArrow">
@@ -4669,6 +4569,385 @@
                 <a:schemeClr val="tx1"/>
               </a:solidFill>
             </a:endParaRPr>
+          </a:p>
+        </p:txBody>
+      </p:sp>
+      <p:cxnSp>
+        <p:nvCxnSpPr>
+          <p:cNvPr id="37" name="Straight Arrow Connector 36">
+            <a:extLst>
+              <a:ext uri="{FF2B5EF4-FFF2-40B4-BE49-F238E27FC236}">
+                <a16:creationId xmlns:a16="http://schemas.microsoft.com/office/drawing/2014/main" id="{4156A9D6-50E4-40EC-AE2B-D57C97BF658E}"/>
+              </a:ext>
+            </a:extLst>
+          </p:cNvPr>
+          <p:cNvCxnSpPr>
+            <a:cxnSpLocks/>
+            <a:stCxn id="84" idx="1"/>
+            <a:endCxn id="85" idx="3"/>
+          </p:cNvCxnSpPr>
+          <p:nvPr/>
+        </p:nvCxnSpPr>
+        <p:spPr>
+          <a:xfrm flipH="1">
+            <a:off x="1744344" y="3175378"/>
+            <a:ext cx="489102" cy="0"/>
+          </a:xfrm>
+          <a:prstGeom prst="straightConnector1">
+            <a:avLst/>
+          </a:prstGeom>
+          <a:ln>
+            <a:tailEnd type="triangle"/>
+          </a:ln>
+        </p:spPr>
+        <p:style>
+          <a:lnRef idx="1">
+            <a:schemeClr val="accent1"/>
+          </a:lnRef>
+          <a:fillRef idx="0">
+            <a:schemeClr val="accent1"/>
+          </a:fillRef>
+          <a:effectRef idx="0">
+            <a:schemeClr val="accent1"/>
+          </a:effectRef>
+          <a:fontRef idx="minor">
+            <a:schemeClr val="tx1"/>
+          </a:fontRef>
+        </p:style>
+      </p:cxnSp>
+      <p:sp>
+        <p:nvSpPr>
+          <p:cNvPr id="14" name="Rectangle 13">
+            <a:extLst>
+              <a:ext uri="{FF2B5EF4-FFF2-40B4-BE49-F238E27FC236}">
+                <a16:creationId xmlns:a16="http://schemas.microsoft.com/office/drawing/2014/main" id="{DDED4A49-54C2-42DE-BE04-12AB3B8A98BE}"/>
+              </a:ext>
+            </a:extLst>
+          </p:cNvPr>
+          <p:cNvSpPr/>
+          <p:nvPr/>
+        </p:nvSpPr>
+        <p:spPr>
+          <a:xfrm>
+            <a:off x="186277" y="5597025"/>
+            <a:ext cx="1697676" cy="550678"/>
+          </a:xfrm>
+          <a:prstGeom prst="rect">
+            <a:avLst/>
+          </a:prstGeom>
+        </p:spPr>
+        <p:style>
+          <a:lnRef idx="1">
+            <a:schemeClr val="accent3"/>
+          </a:lnRef>
+          <a:fillRef idx="2">
+            <a:schemeClr val="accent3"/>
+          </a:fillRef>
+          <a:effectRef idx="1">
+            <a:schemeClr val="accent3"/>
+          </a:effectRef>
+          <a:fontRef idx="minor">
+            <a:schemeClr val="dk1"/>
+          </a:fontRef>
+        </p:style>
+        <p:txBody>
+          <a:bodyPr rtlCol="0" anchor="t" anchorCtr="0"/>
+          <a:lstStyle/>
+          <a:p>
+            <a:pPr algn="ctr"/>
+            <a:r>
+              <a:rPr lang="en-GB" sz="1600" dirty="0" err="1">
+                <a:solidFill>
+                  <a:schemeClr val="tx1"/>
+                </a:solidFill>
+              </a:rPr>
+              <a:t>CommandServiceListener</a:t>
+            </a:r>
+            <a:r>
+              <a:rPr lang="en-GB" sz="1600" dirty="0">
+                <a:solidFill>
+                  <a:schemeClr val="tx1"/>
+                </a:solidFill>
+              </a:rPr>
+              <a:t> SPI</a:t>
+            </a:r>
+          </a:p>
+        </p:txBody>
+      </p:sp>
+      <p:cxnSp>
+        <p:nvCxnSpPr>
+          <p:cNvPr id="52" name="Curved Connector 115">
+            <a:extLst>
+              <a:ext uri="{FF2B5EF4-FFF2-40B4-BE49-F238E27FC236}">
+                <a16:creationId xmlns:a16="http://schemas.microsoft.com/office/drawing/2014/main" id="{2CFCB57E-F6DA-4BE8-921B-190A5DEA4EAB}"/>
+              </a:ext>
+            </a:extLst>
+          </p:cNvPr>
+          <p:cNvCxnSpPr>
+            <a:cxnSpLocks/>
+            <a:endCxn id="14" idx="0"/>
+          </p:cNvCxnSpPr>
+          <p:nvPr/>
+        </p:nvCxnSpPr>
+        <p:spPr>
+          <a:xfrm rot="5400000">
+            <a:off x="813042" y="5370174"/>
+            <a:ext cx="448925" cy="4777"/>
+          </a:xfrm>
+          <a:prstGeom prst="curvedConnector3">
+            <a:avLst>
+              <a:gd name="adj1" fmla="val 50000"/>
+            </a:avLst>
+          </a:prstGeom>
+          <a:ln w="19050">
+            <a:solidFill>
+              <a:schemeClr val="accent3"/>
+            </a:solidFill>
+            <a:prstDash val="sysDash"/>
+            <a:tailEnd type="triangle"/>
+          </a:ln>
+        </p:spPr>
+        <p:style>
+          <a:lnRef idx="1">
+            <a:schemeClr val="accent1"/>
+          </a:lnRef>
+          <a:fillRef idx="0">
+            <a:schemeClr val="accent1"/>
+          </a:fillRef>
+          <a:effectRef idx="0">
+            <a:schemeClr val="accent1"/>
+          </a:effectRef>
+          <a:fontRef idx="minor">
+            <a:schemeClr val="tx1"/>
+          </a:fontRef>
+        </p:style>
+      </p:cxnSp>
+      <p:sp>
+        <p:nvSpPr>
+          <p:cNvPr id="4" name="Rectangle 3">
+            <a:extLst>
+              <a:ext uri="{FF2B5EF4-FFF2-40B4-BE49-F238E27FC236}">
+                <a16:creationId xmlns:a16="http://schemas.microsoft.com/office/drawing/2014/main" id="{C2AA3929-84C4-4905-AAAA-1BA8D338E88D}"/>
+              </a:ext>
+            </a:extLst>
+          </p:cNvPr>
+          <p:cNvSpPr/>
+          <p:nvPr/>
+        </p:nvSpPr>
+        <p:spPr>
+          <a:xfrm>
+            <a:off x="324864" y="244401"/>
+            <a:ext cx="1408904" cy="1076553"/>
+          </a:xfrm>
+          <a:prstGeom prst="rect">
+            <a:avLst/>
+          </a:prstGeom>
+        </p:spPr>
+        <p:style>
+          <a:lnRef idx="1">
+            <a:schemeClr val="dk1"/>
+          </a:lnRef>
+          <a:fillRef idx="2">
+            <a:schemeClr val="dk1"/>
+          </a:fillRef>
+          <a:effectRef idx="1">
+            <a:schemeClr val="dk1"/>
+          </a:effectRef>
+          <a:fontRef idx="minor">
+            <a:schemeClr val="dk1"/>
+          </a:fontRef>
+        </p:style>
+        <p:txBody>
+          <a:bodyPr rtlCol="0" anchor="ctr"/>
+          <a:lstStyle/>
+          <a:p>
+            <a:pPr algn="ctr"/>
+            <a:r>
+              <a:rPr lang="en-GB" sz="1600" dirty="0">
+                <a:solidFill>
+                  <a:schemeClr val="bg1"/>
+                </a:solidFill>
+              </a:rPr>
+              <a:t>Child</a:t>
+            </a:r>
+            <a:br>
+              <a:rPr lang="en-GB" sz="1600" dirty="0">
+                <a:solidFill>
+                  <a:schemeClr val="bg1"/>
+                </a:solidFill>
+              </a:rPr>
+            </a:br>
+            <a:r>
+              <a:rPr lang="en-GB" sz="1600" dirty="0">
+                <a:solidFill>
+                  <a:schemeClr val="bg1"/>
+                </a:solidFill>
+              </a:rPr>
+              <a:t>Command</a:t>
+            </a:r>
+          </a:p>
+        </p:txBody>
+      </p:sp>
+      <p:cxnSp>
+        <p:nvCxnSpPr>
+          <p:cNvPr id="41" name="Curved Connector 115">
+            <a:extLst>
+              <a:ext uri="{FF2B5EF4-FFF2-40B4-BE49-F238E27FC236}">
+                <a16:creationId xmlns:a16="http://schemas.microsoft.com/office/drawing/2014/main" id="{A293974D-69FA-49B5-8C57-6F6BC3C1AB62}"/>
+              </a:ext>
+            </a:extLst>
+          </p:cNvPr>
+          <p:cNvCxnSpPr>
+            <a:cxnSpLocks/>
+          </p:cNvCxnSpPr>
+          <p:nvPr/>
+        </p:nvCxnSpPr>
+        <p:spPr>
+          <a:xfrm rot="16200000" flipH="1">
+            <a:off x="881272" y="4672761"/>
+            <a:ext cx="323485" cy="6245"/>
+          </a:xfrm>
+          <a:prstGeom prst="curvedConnector3">
+            <a:avLst>
+              <a:gd name="adj1" fmla="val 50000"/>
+            </a:avLst>
+          </a:prstGeom>
+          <a:ln w="19050">
+            <a:solidFill>
+              <a:schemeClr val="accent3"/>
+            </a:solidFill>
+            <a:prstDash val="sysDash"/>
+            <a:tailEnd type="triangle"/>
+          </a:ln>
+        </p:spPr>
+        <p:style>
+          <a:lnRef idx="1">
+            <a:schemeClr val="accent1"/>
+          </a:lnRef>
+          <a:fillRef idx="0">
+            <a:schemeClr val="accent1"/>
+          </a:fillRef>
+          <a:effectRef idx="0">
+            <a:schemeClr val="accent1"/>
+          </a:effectRef>
+          <a:fontRef idx="minor">
+            <a:schemeClr val="tx1"/>
+          </a:fontRef>
+        </p:style>
+      </p:cxnSp>
+      <p:cxnSp>
+        <p:nvCxnSpPr>
+          <p:cNvPr id="42" name="Curved Connector 115">
+            <a:extLst>
+              <a:ext uri="{FF2B5EF4-FFF2-40B4-BE49-F238E27FC236}">
+                <a16:creationId xmlns:a16="http://schemas.microsoft.com/office/drawing/2014/main" id="{05B315D6-2B4A-428D-B416-B75119683065}"/>
+              </a:ext>
+            </a:extLst>
+          </p:cNvPr>
+          <p:cNvCxnSpPr>
+            <a:cxnSpLocks/>
+            <a:stCxn id="85" idx="0"/>
+            <a:endCxn id="4" idx="2"/>
+          </p:cNvCxnSpPr>
+          <p:nvPr/>
+        </p:nvCxnSpPr>
+        <p:spPr>
+          <a:xfrm rot="16200000" flipV="1">
+            <a:off x="759265" y="1591005"/>
+            <a:ext cx="550678" cy="10576"/>
+          </a:xfrm>
+          <a:prstGeom prst="curvedConnector3">
+            <a:avLst>
+              <a:gd name="adj1" fmla="val 50000"/>
+            </a:avLst>
+          </a:prstGeom>
+          <a:ln w="19050">
+            <a:solidFill>
+              <a:schemeClr val="tx1">
+                <a:lumMod val="50000"/>
+                <a:lumOff val="50000"/>
+              </a:schemeClr>
+            </a:solidFill>
+            <a:prstDash val="dashDot"/>
+            <a:tailEnd type="triangle"/>
+          </a:ln>
+        </p:spPr>
+        <p:style>
+          <a:lnRef idx="1">
+            <a:schemeClr val="accent1"/>
+          </a:lnRef>
+          <a:fillRef idx="0">
+            <a:schemeClr val="accent1"/>
+          </a:fillRef>
+          <a:effectRef idx="0">
+            <a:schemeClr val="accent1"/>
+          </a:effectRef>
+          <a:fontRef idx="minor">
+            <a:schemeClr val="tx1"/>
+          </a:fontRef>
+        </p:style>
+      </p:cxnSp>
+      <p:sp>
+        <p:nvSpPr>
+          <p:cNvPr id="7" name="TextBox 6">
+            <a:extLst>
+              <a:ext uri="{FF2B5EF4-FFF2-40B4-BE49-F238E27FC236}">
+                <a16:creationId xmlns:a16="http://schemas.microsoft.com/office/drawing/2014/main" id="{395A129D-08CA-4968-92A8-61E2392BFFE4}"/>
+              </a:ext>
+            </a:extLst>
+          </p:cNvPr>
+          <p:cNvSpPr txBox="1"/>
+          <p:nvPr/>
+        </p:nvSpPr>
+        <p:spPr>
+          <a:xfrm>
+            <a:off x="375186" y="1330813"/>
+            <a:ext cx="745718" cy="430887"/>
+          </a:xfrm>
+          <a:prstGeom prst="rect">
+            <a:avLst/>
+          </a:prstGeom>
+          <a:noFill/>
+        </p:spPr>
+        <p:txBody>
+          <a:bodyPr wrap="none" rtlCol="0">
+            <a:spAutoFit/>
+          </a:bodyPr>
+          <a:lstStyle/>
+          <a:p>
+            <a:pPr algn="ctr"/>
+            <a:r>
+              <a:rPr lang="en-GB" sz="1100" dirty="0">
+                <a:solidFill>
+                  <a:schemeClr val="tx1">
+                    <a:lumMod val="85000"/>
+                    <a:lumOff val="15000"/>
+                  </a:schemeClr>
+                </a:solidFill>
+              </a:rPr>
+              <a:t>async</a:t>
+            </a:r>
+            <a:br>
+              <a:rPr lang="en-GB" sz="1100" dirty="0">
+                <a:solidFill>
+                  <a:schemeClr val="tx1">
+                    <a:lumMod val="85000"/>
+                    <a:lumOff val="15000"/>
+                  </a:schemeClr>
+                </a:solidFill>
+              </a:rPr>
+            </a:br>
+            <a:r>
+              <a:rPr lang="en-GB" sz="1100" dirty="0">
+                <a:solidFill>
+                  <a:schemeClr val="tx1">
+                    <a:lumMod val="85000"/>
+                    <a:lumOff val="15000"/>
+                  </a:schemeClr>
+                </a:solidFill>
+              </a:rPr>
+              <a:t>execution</a:t>
+            </a:r>
           </a:p>
         </p:txBody>
       </p:sp>

--- a/docs/refguide/latest/applib-svc/_images/reference-services/commands-and-events.pptx
+++ b/docs/refguide/latest/applib-svc/_images/reference-services/commands-and-events.pptx
@@ -53,7 +53,7 @@
       </p:grpSpPr>
       <p:sp>
         <p:nvSpPr>
-          <p:cNvPr id="21" name="PlaceHolder 1"/>
+          <p:cNvPr id="23" name="PlaceHolder 1"/>
           <p:cNvSpPr>
             <a:spLocks noGrp="1"/>
           </p:cNvSpPr>
@@ -84,7 +84,7 @@
       </p:sp>
       <p:sp>
         <p:nvSpPr>
-          <p:cNvPr id="22" name="PlaceHolder 2"/>
+          <p:cNvPr id="24" name="PlaceHolder 2"/>
           <p:cNvSpPr>
             <a:spLocks noGrp="1"/>
           </p:cNvSpPr>
@@ -114,7 +114,7 @@
       </p:sp>
       <p:sp>
         <p:nvSpPr>
-          <p:cNvPr id="23" name="PlaceHolder 3"/>
+          <p:cNvPr id="25" name="PlaceHolder 3"/>
           <p:cNvSpPr>
             <a:spLocks noGrp="1"/>
           </p:cNvSpPr>
@@ -166,7 +166,7 @@
       </p:grpSpPr>
       <p:sp>
         <p:nvSpPr>
-          <p:cNvPr id="24" name="PlaceHolder 1"/>
+          <p:cNvPr id="26" name="PlaceHolder 1"/>
           <p:cNvSpPr>
             <a:spLocks noGrp="1"/>
           </p:cNvSpPr>
@@ -197,7 +197,7 @@
       </p:sp>
       <p:sp>
         <p:nvSpPr>
-          <p:cNvPr id="25" name="PlaceHolder 2"/>
+          <p:cNvPr id="27" name="PlaceHolder 2"/>
           <p:cNvSpPr>
             <a:spLocks noGrp="1"/>
           </p:cNvSpPr>
@@ -227,7 +227,7 @@
       </p:sp>
       <p:sp>
         <p:nvSpPr>
-          <p:cNvPr id="26" name="PlaceHolder 3"/>
+          <p:cNvPr id="28" name="PlaceHolder 3"/>
           <p:cNvSpPr>
             <a:spLocks noGrp="1"/>
           </p:cNvSpPr>
@@ -257,7 +257,7 @@
       </p:sp>
       <p:sp>
         <p:nvSpPr>
-          <p:cNvPr id="27" name="PlaceHolder 4"/>
+          <p:cNvPr id="29" name="PlaceHolder 4"/>
           <p:cNvSpPr>
             <a:spLocks noGrp="1"/>
           </p:cNvSpPr>
@@ -287,7 +287,7 @@
       </p:sp>
       <p:sp>
         <p:nvSpPr>
-          <p:cNvPr id="28" name="PlaceHolder 5"/>
+          <p:cNvPr id="30" name="PlaceHolder 5"/>
           <p:cNvSpPr>
             <a:spLocks noGrp="1"/>
           </p:cNvSpPr>
@@ -339,7 +339,7 @@
       </p:grpSpPr>
       <p:sp>
         <p:nvSpPr>
-          <p:cNvPr id="29" name="PlaceHolder 1"/>
+          <p:cNvPr id="31" name="PlaceHolder 1"/>
           <p:cNvSpPr>
             <a:spLocks noGrp="1"/>
           </p:cNvSpPr>
@@ -370,7 +370,7 @@
       </p:sp>
       <p:sp>
         <p:nvSpPr>
-          <p:cNvPr id="30" name="PlaceHolder 2"/>
+          <p:cNvPr id="32" name="PlaceHolder 2"/>
           <p:cNvSpPr>
             <a:spLocks noGrp="1"/>
           </p:cNvSpPr>
@@ -400,7 +400,7 @@
       </p:sp>
       <p:sp>
         <p:nvSpPr>
-          <p:cNvPr id="31" name="PlaceHolder 3"/>
+          <p:cNvPr id="33" name="PlaceHolder 3"/>
           <p:cNvSpPr>
             <a:spLocks noGrp="1"/>
           </p:cNvSpPr>
@@ -430,7 +430,7 @@
       </p:sp>
       <p:sp>
         <p:nvSpPr>
-          <p:cNvPr id="32" name="PlaceHolder 4"/>
+          <p:cNvPr id="34" name="PlaceHolder 4"/>
           <p:cNvSpPr>
             <a:spLocks noGrp="1"/>
           </p:cNvSpPr>
@@ -460,7 +460,7 @@
       </p:sp>
       <p:sp>
         <p:nvSpPr>
-          <p:cNvPr id="33" name="PlaceHolder 5"/>
+          <p:cNvPr id="35" name="PlaceHolder 5"/>
           <p:cNvSpPr>
             <a:spLocks noGrp="1"/>
           </p:cNvSpPr>
@@ -490,7 +490,7 @@
       </p:sp>
       <p:sp>
         <p:nvSpPr>
-          <p:cNvPr id="34" name="PlaceHolder 6"/>
+          <p:cNvPr id="36" name="PlaceHolder 6"/>
           <p:cNvSpPr>
             <a:spLocks noGrp="1"/>
           </p:cNvSpPr>
@@ -520,7 +520,7 @@
       </p:sp>
       <p:sp>
         <p:nvSpPr>
-          <p:cNvPr id="35" name="PlaceHolder 7"/>
+          <p:cNvPr id="37" name="PlaceHolder 7"/>
           <p:cNvSpPr>
             <a:spLocks noGrp="1"/>
           </p:cNvSpPr>
@@ -572,7 +572,7 @@
       </p:grpSpPr>
       <p:sp>
         <p:nvSpPr>
-          <p:cNvPr id="0" name="PlaceHolder 1"/>
+          <p:cNvPr id="2" name="PlaceHolder 1"/>
           <p:cNvSpPr>
             <a:spLocks noGrp="1"/>
           </p:cNvSpPr>
@@ -603,7 +603,7 @@
       </p:sp>
       <p:sp>
         <p:nvSpPr>
-          <p:cNvPr id="1" name="PlaceHolder 2"/>
+          <p:cNvPr id="3" name="PlaceHolder 2"/>
           <p:cNvSpPr>
             <a:spLocks noGrp="1"/>
           </p:cNvSpPr>
@@ -656,7 +656,7 @@
       </p:grpSpPr>
       <p:sp>
         <p:nvSpPr>
-          <p:cNvPr id="2" name="PlaceHolder 1"/>
+          <p:cNvPr id="4" name="PlaceHolder 1"/>
           <p:cNvSpPr>
             <a:spLocks noGrp="1"/>
           </p:cNvSpPr>
@@ -687,7 +687,7 @@
       </p:sp>
       <p:sp>
         <p:nvSpPr>
-          <p:cNvPr id="3" name="PlaceHolder 2"/>
+          <p:cNvPr id="5" name="PlaceHolder 2"/>
           <p:cNvSpPr>
             <a:spLocks noGrp="1"/>
           </p:cNvSpPr>
@@ -739,7 +739,7 @@
       </p:grpSpPr>
       <p:sp>
         <p:nvSpPr>
-          <p:cNvPr id="4" name="PlaceHolder 1"/>
+          <p:cNvPr id="6" name="PlaceHolder 1"/>
           <p:cNvSpPr>
             <a:spLocks noGrp="1"/>
           </p:cNvSpPr>
@@ -770,7 +770,7 @@
       </p:sp>
       <p:sp>
         <p:nvSpPr>
-          <p:cNvPr id="5" name="PlaceHolder 2"/>
+          <p:cNvPr id="7" name="PlaceHolder 2"/>
           <p:cNvSpPr>
             <a:spLocks noGrp="1"/>
           </p:cNvSpPr>
@@ -800,7 +800,7 @@
       </p:sp>
       <p:sp>
         <p:nvSpPr>
-          <p:cNvPr id="6" name="PlaceHolder 3"/>
+          <p:cNvPr id="8" name="PlaceHolder 3"/>
           <p:cNvSpPr>
             <a:spLocks noGrp="1"/>
           </p:cNvSpPr>
@@ -852,7 +852,7 @@
       </p:grpSpPr>
       <p:sp>
         <p:nvSpPr>
-          <p:cNvPr id="7" name="PlaceHolder 1"/>
+          <p:cNvPr id="9" name="PlaceHolder 1"/>
           <p:cNvSpPr>
             <a:spLocks noGrp="1"/>
           </p:cNvSpPr>
@@ -905,7 +905,7 @@
       </p:grpSpPr>
       <p:sp>
         <p:nvSpPr>
-          <p:cNvPr id="8" name="PlaceHolder 1"/>
+          <p:cNvPr id="10" name="PlaceHolder 1"/>
           <p:cNvSpPr>
             <a:spLocks noGrp="1"/>
           </p:cNvSpPr>
@@ -958,7 +958,7 @@
       </p:grpSpPr>
       <p:sp>
         <p:nvSpPr>
-          <p:cNvPr id="9" name="PlaceHolder 1"/>
+          <p:cNvPr id="11" name="PlaceHolder 1"/>
           <p:cNvSpPr>
             <a:spLocks noGrp="1"/>
           </p:cNvSpPr>
@@ -989,7 +989,7 @@
       </p:sp>
       <p:sp>
         <p:nvSpPr>
-          <p:cNvPr id="10" name="PlaceHolder 2"/>
+          <p:cNvPr id="12" name="PlaceHolder 2"/>
           <p:cNvSpPr>
             <a:spLocks noGrp="1"/>
           </p:cNvSpPr>
@@ -1019,7 +1019,7 @@
       </p:sp>
       <p:sp>
         <p:nvSpPr>
-          <p:cNvPr id="11" name="PlaceHolder 3"/>
+          <p:cNvPr id="13" name="PlaceHolder 3"/>
           <p:cNvSpPr>
             <a:spLocks noGrp="1"/>
           </p:cNvSpPr>
@@ -1049,7 +1049,7 @@
       </p:sp>
       <p:sp>
         <p:nvSpPr>
-          <p:cNvPr id="12" name="PlaceHolder 4"/>
+          <p:cNvPr id="14" name="PlaceHolder 4"/>
           <p:cNvSpPr>
             <a:spLocks noGrp="1"/>
           </p:cNvSpPr>
@@ -1101,7 +1101,7 @@
       </p:grpSpPr>
       <p:sp>
         <p:nvSpPr>
-          <p:cNvPr id="13" name="PlaceHolder 1"/>
+          <p:cNvPr id="15" name="PlaceHolder 1"/>
           <p:cNvSpPr>
             <a:spLocks noGrp="1"/>
           </p:cNvSpPr>
@@ -1132,7 +1132,7 @@
       </p:sp>
       <p:sp>
         <p:nvSpPr>
-          <p:cNvPr id="14" name="PlaceHolder 2"/>
+          <p:cNvPr id="16" name="PlaceHolder 2"/>
           <p:cNvSpPr>
             <a:spLocks noGrp="1"/>
           </p:cNvSpPr>
@@ -1162,7 +1162,7 @@
       </p:sp>
       <p:sp>
         <p:nvSpPr>
-          <p:cNvPr id="15" name="PlaceHolder 3"/>
+          <p:cNvPr id="17" name="PlaceHolder 3"/>
           <p:cNvSpPr>
             <a:spLocks noGrp="1"/>
           </p:cNvSpPr>
@@ -1192,7 +1192,7 @@
       </p:sp>
       <p:sp>
         <p:nvSpPr>
-          <p:cNvPr id="16" name="PlaceHolder 4"/>
+          <p:cNvPr id="18" name="PlaceHolder 4"/>
           <p:cNvSpPr>
             <a:spLocks noGrp="1"/>
           </p:cNvSpPr>
@@ -1244,7 +1244,7 @@
       </p:grpSpPr>
       <p:sp>
         <p:nvSpPr>
-          <p:cNvPr id="17" name="PlaceHolder 1"/>
+          <p:cNvPr id="19" name="PlaceHolder 1"/>
           <p:cNvSpPr>
             <a:spLocks noGrp="1"/>
           </p:cNvSpPr>
@@ -1275,7 +1275,7 @@
       </p:sp>
       <p:sp>
         <p:nvSpPr>
-          <p:cNvPr id="18" name="PlaceHolder 2"/>
+          <p:cNvPr id="20" name="PlaceHolder 2"/>
           <p:cNvSpPr>
             <a:spLocks noGrp="1"/>
           </p:cNvSpPr>
@@ -1305,7 +1305,7 @@
       </p:sp>
       <p:sp>
         <p:nvSpPr>
-          <p:cNvPr id="19" name="PlaceHolder 3"/>
+          <p:cNvPr id="21" name="PlaceHolder 3"/>
           <p:cNvSpPr>
             <a:spLocks noGrp="1"/>
           </p:cNvSpPr>
@@ -1335,7 +1335,7 @@
       </p:sp>
       <p:sp>
         <p:nvSpPr>
-          <p:cNvPr id="20" name="PlaceHolder 4"/>
+          <p:cNvPr id="22" name="PlaceHolder 4"/>
           <p:cNvSpPr>
             <a:spLocks noGrp="1"/>
           </p:cNvSpPr>
@@ -1392,6 +1392,222 @@
           <a:chExt cx="0" cy="0"/>
         </a:xfrm>
       </p:grpSpPr>
+      <p:sp>
+        <p:nvSpPr>
+          <p:cNvPr id="0" name="PlaceHolder 1"/>
+          <p:cNvSpPr>
+            <a:spLocks noGrp="1"/>
+          </p:cNvSpPr>
+          <p:nvPr>
+            <p:ph type="title"/>
+          </p:nvPr>
+        </p:nvSpPr>
+        <p:spPr>
+          <a:xfrm>
+            <a:off x="504000" y="258480"/>
+            <a:ext cx="9072000" cy="1081800"/>
+          </a:xfrm>
+          <a:prstGeom prst="rect">
+            <a:avLst/>
+          </a:prstGeom>
+        </p:spPr>
+        <p:txBody>
+          <a:bodyPr lIns="0" rIns="0" tIns="0" bIns="0" anchor="ctr">
+            <a:noAutofit/>
+          </a:bodyPr>
+          <a:p>
+            <a:pPr algn="ctr"/>
+            <a:r>
+              <a:rPr b="0" lang="en-US" sz="4400" spc="-1" strike="noStrike">
+                <a:latin typeface="Arial"/>
+              </a:rPr>
+              <a:t>Click to edit the title text format</a:t>
+            </a:r>
+            <a:endParaRPr b="0" lang="en-US" sz="4400" spc="-1" strike="noStrike">
+              <a:latin typeface="Arial"/>
+            </a:endParaRPr>
+          </a:p>
+        </p:txBody>
+      </p:sp>
+      <p:sp>
+        <p:nvSpPr>
+          <p:cNvPr id="1" name="PlaceHolder 2"/>
+          <p:cNvSpPr>
+            <a:spLocks noGrp="1"/>
+          </p:cNvSpPr>
+          <p:nvPr>
+            <p:ph type="body"/>
+          </p:nvPr>
+        </p:nvSpPr>
+        <p:spPr>
+          <a:xfrm>
+            <a:off x="504000" y="1516320"/>
+            <a:ext cx="9072000" cy="3758040"/>
+          </a:xfrm>
+          <a:prstGeom prst="rect">
+            <a:avLst/>
+          </a:prstGeom>
+        </p:spPr>
+        <p:txBody>
+          <a:bodyPr lIns="0" rIns="0" tIns="0" bIns="0">
+            <a:normAutofit/>
+          </a:bodyPr>
+          <a:p>
+            <a:pPr marL="432000" indent="-324000">
+              <a:spcBef>
+                <a:spcPts val="1417"/>
+              </a:spcBef>
+              <a:buClr>
+                <a:srgbClr val="000000"/>
+              </a:buClr>
+              <a:buSzPct val="45000"/>
+              <a:buFont typeface="Wingdings" charset="2"/>
+              <a:buChar char=""/>
+            </a:pPr>
+            <a:r>
+              <a:rPr b="0" lang="en-US" sz="3200" spc="-1" strike="noStrike">
+                <a:latin typeface="Arial"/>
+              </a:rPr>
+              <a:t>Click to edit the outline text format</a:t>
+            </a:r>
+            <a:endParaRPr b="0" lang="en-US" sz="3200" spc="-1" strike="noStrike">
+              <a:latin typeface="Arial"/>
+            </a:endParaRPr>
+          </a:p>
+          <a:p>
+            <a:pPr lvl="1" marL="864000" indent="-324000">
+              <a:spcBef>
+                <a:spcPts val="1134"/>
+              </a:spcBef>
+              <a:buClr>
+                <a:srgbClr val="000000"/>
+              </a:buClr>
+              <a:buSzPct val="75000"/>
+              <a:buFont typeface="Symbol" charset="2"/>
+              <a:buChar char=""/>
+            </a:pPr>
+            <a:r>
+              <a:rPr b="0" lang="en-US" sz="2800" spc="-1" strike="noStrike">
+                <a:latin typeface="Arial"/>
+              </a:rPr>
+              <a:t>Second Outline Level</a:t>
+            </a:r>
+            <a:endParaRPr b="0" lang="en-US" sz="2800" spc="-1" strike="noStrike">
+              <a:latin typeface="Arial"/>
+            </a:endParaRPr>
+          </a:p>
+          <a:p>
+            <a:pPr lvl="2" marL="1296000" indent="-288000">
+              <a:spcBef>
+                <a:spcPts val="850"/>
+              </a:spcBef>
+              <a:buClr>
+                <a:srgbClr val="000000"/>
+              </a:buClr>
+              <a:buSzPct val="45000"/>
+              <a:buFont typeface="Wingdings" charset="2"/>
+              <a:buChar char=""/>
+            </a:pPr>
+            <a:r>
+              <a:rPr b="0" lang="en-US" sz="2400" spc="-1" strike="noStrike">
+                <a:latin typeface="Arial"/>
+              </a:rPr>
+              <a:t>Third Outline Level</a:t>
+            </a:r>
+            <a:endParaRPr b="0" lang="en-US" sz="2400" spc="-1" strike="noStrike">
+              <a:latin typeface="Arial"/>
+            </a:endParaRPr>
+          </a:p>
+          <a:p>
+            <a:pPr lvl="3" marL="1728000" indent="-216000">
+              <a:spcBef>
+                <a:spcPts val="567"/>
+              </a:spcBef>
+              <a:buClr>
+                <a:srgbClr val="000000"/>
+              </a:buClr>
+              <a:buSzPct val="75000"/>
+              <a:buFont typeface="Symbol" charset="2"/>
+              <a:buChar char=""/>
+            </a:pPr>
+            <a:r>
+              <a:rPr b="0" lang="en-US" sz="2000" spc="-1" strike="noStrike">
+                <a:latin typeface="Arial"/>
+              </a:rPr>
+              <a:t>Fourth Outline Level</a:t>
+            </a:r>
+            <a:endParaRPr b="0" lang="en-US" sz="2000" spc="-1" strike="noStrike">
+              <a:latin typeface="Arial"/>
+            </a:endParaRPr>
+          </a:p>
+          <a:p>
+            <a:pPr lvl="4" marL="2160000" indent="-216000">
+              <a:spcBef>
+                <a:spcPts val="283"/>
+              </a:spcBef>
+              <a:buClr>
+                <a:srgbClr val="000000"/>
+              </a:buClr>
+              <a:buSzPct val="45000"/>
+              <a:buFont typeface="Wingdings" charset="2"/>
+              <a:buChar char=""/>
+            </a:pPr>
+            <a:r>
+              <a:rPr b="0" lang="en-US" sz="2000" spc="-1" strike="noStrike">
+                <a:latin typeface="Arial"/>
+              </a:rPr>
+              <a:t>Fifth Outline Level</a:t>
+            </a:r>
+            <a:endParaRPr b="0" lang="en-US" sz="2000" spc="-1" strike="noStrike">
+              <a:latin typeface="Arial"/>
+            </a:endParaRPr>
+          </a:p>
+          <a:p>
+            <a:pPr lvl="5" marL="2592000" indent="-216000">
+              <a:spcBef>
+                <a:spcPts val="283"/>
+              </a:spcBef>
+              <a:buClr>
+                <a:srgbClr val="000000"/>
+              </a:buClr>
+              <a:buSzPct val="45000"/>
+              <a:buFont typeface="Wingdings" charset="2"/>
+              <a:buChar char=""/>
+            </a:pPr>
+            <a:r>
+              <a:rPr b="0" lang="en-US" sz="2000" spc="-1" strike="noStrike">
+                <a:latin typeface="Arial"/>
+              </a:rPr>
+              <a:t>Sixth Outline Level</a:t>
+            </a:r>
+            <a:endParaRPr b="0" lang="en-US" sz="2000" spc="-1" strike="noStrike">
+              <a:latin typeface="Arial"/>
+            </a:endParaRPr>
+          </a:p>
+          <a:p>
+            <a:pPr lvl="6" marL="3024000" indent="-216000">
+              <a:spcBef>
+                <a:spcPts val="283"/>
+              </a:spcBef>
+              <a:buClr>
+                <a:srgbClr val="000000"/>
+              </a:buClr>
+              <a:buSzPct val="45000"/>
+              <a:buFont typeface="Wingdings" charset="2"/>
+              <a:buChar char=""/>
+            </a:pPr>
+            <a:r>
+              <a:rPr b="0" lang="en-US" sz="2000" spc="-1" strike="noStrike">
+                <a:latin typeface="Arial"/>
+              </a:rPr>
+              <a:t>Seventh Outline Level</a:t>
+            </a:r>
+            <a:endParaRPr b="0" lang="en-US" sz="2000" spc="-1" strike="noStrike">
+              <a:latin typeface="Arial"/>
+            </a:endParaRPr>
+          </a:p>
+        </p:txBody>
+      </p:sp>
     </p:spTree>
   </p:cSld>
   <p:clrMap bg1="lt1" bg2="lt2" tx1="dk1" tx2="dk2" accent1="accent1" accent2="accent2" accent3="accent3" accent4="accent4" accent5="accent5" accent6="accent6" hlink="hlink" folHlink="folHlink"/>
@@ -1431,14 +1647,14 @@
       </p:grpSpPr>
       <p:sp>
         <p:nvSpPr>
-          <p:cNvPr id="36" name="CustomShape 1"/>
+          <p:cNvPr id="38" name="CustomShape 1"/>
           <p:cNvSpPr/>
           <p:nvPr/>
         </p:nvSpPr>
         <p:spPr>
           <a:xfrm>
-            <a:off x="360000" y="5220000"/>
-            <a:ext cx="5579280" cy="807480"/>
+            <a:off x="360000" y="4932000"/>
+            <a:ext cx="5578200" cy="806400"/>
           </a:xfrm>
           <a:prstGeom prst="rect">
             <a:avLst/>
@@ -1519,14 +1735,14 @@
       </p:sp>
       <p:sp>
         <p:nvSpPr>
-          <p:cNvPr id="37" name="CustomShape 2"/>
+          <p:cNvPr id="39" name="CustomShape 2"/>
           <p:cNvSpPr/>
           <p:nvPr/>
         </p:nvSpPr>
         <p:spPr>
           <a:xfrm>
             <a:off x="2233440" y="504000"/>
-            <a:ext cx="3705840" cy="1979280"/>
+            <a:ext cx="3704760" cy="1765800"/>
           </a:xfrm>
           <a:prstGeom prst="rect">
             <a:avLst/>
@@ -1595,14 +1811,14 @@
       </p:sp>
       <p:sp>
         <p:nvSpPr>
-          <p:cNvPr id="38" name="CustomShape 3"/>
+          <p:cNvPr id="40" name="CustomShape 3"/>
           <p:cNvSpPr/>
           <p:nvPr/>
         </p:nvSpPr>
         <p:spPr>
           <a:xfrm>
             <a:off x="335520" y="504000"/>
-            <a:ext cx="1407960" cy="1979280"/>
+            <a:ext cx="1406880" cy="1779120"/>
           </a:xfrm>
           <a:prstGeom prst="rect">
             <a:avLst/>
@@ -1701,14 +1917,14 @@
       </p:sp>
       <p:sp>
         <p:nvSpPr>
-          <p:cNvPr id="39" name="CustomShape 4"/>
+          <p:cNvPr id="41" name="CustomShape 4"/>
           <p:cNvSpPr/>
           <p:nvPr/>
         </p:nvSpPr>
         <p:spPr>
           <a:xfrm>
             <a:off x="2520000" y="864000"/>
-            <a:ext cx="1495800" cy="1439280"/>
+            <a:ext cx="1494720" cy="1296000"/>
           </a:xfrm>
           <a:prstGeom prst="rect">
             <a:avLst/>
@@ -1827,14 +2043,14 @@
       </p:sp>
       <p:sp>
         <p:nvSpPr>
-          <p:cNvPr id="40" name="CustomShape 5"/>
+          <p:cNvPr id="42" name="CustomShape 5"/>
           <p:cNvSpPr/>
           <p:nvPr/>
         </p:nvSpPr>
         <p:spPr>
           <a:xfrm>
-            <a:off x="4572000" y="5365440"/>
-            <a:ext cx="1115640" cy="574200"/>
+            <a:off x="4572000" y="5077440"/>
+            <a:ext cx="1114560" cy="573120"/>
           </a:xfrm>
           <a:prstGeom prst="rect">
             <a:avLst/>
@@ -1910,14 +2126,14 @@
       </p:sp>
       <p:sp>
         <p:nvSpPr>
-          <p:cNvPr id="41" name="CustomShape 6"/>
+          <p:cNvPr id="43" name="CustomShape 6"/>
           <p:cNvSpPr/>
           <p:nvPr/>
         </p:nvSpPr>
         <p:spPr>
           <a:xfrm>
-            <a:off x="2880000" y="3787920"/>
-            <a:ext cx="3059280" cy="837000"/>
+            <a:off x="2880000" y="3535920"/>
+            <a:ext cx="3058200" cy="835920"/>
           </a:xfrm>
           <a:prstGeom prst="rect">
             <a:avLst/>
@@ -1971,14 +2187,14 @@
       </p:sp>
       <p:sp>
         <p:nvSpPr>
-          <p:cNvPr id="42" name="CustomShape 7"/>
+          <p:cNvPr id="44" name="CustomShape 7"/>
           <p:cNvSpPr/>
           <p:nvPr/>
         </p:nvSpPr>
         <p:spPr>
           <a:xfrm>
-            <a:off x="3420000" y="4156920"/>
-            <a:ext cx="2066400" cy="378360"/>
+            <a:off x="3420000" y="3904920"/>
+            <a:ext cx="2065320" cy="377280"/>
           </a:xfrm>
           <a:prstGeom prst="rect">
             <a:avLst/>
@@ -2034,14 +2250,14 @@
       </p:sp>
       <p:sp>
         <p:nvSpPr>
-          <p:cNvPr id="43" name="CustomShape 8"/>
+          <p:cNvPr id="45" name="CustomShape 8"/>
           <p:cNvSpPr/>
           <p:nvPr/>
         </p:nvSpPr>
         <p:spPr>
           <a:xfrm>
-            <a:off x="3017520" y="3438720"/>
-            <a:ext cx="2138040" cy="257040"/>
+            <a:off x="2996280" y="3186720"/>
+            <a:ext cx="2180520" cy="257760"/>
           </a:xfrm>
           <a:prstGeom prst="rect">
             <a:avLst/>
@@ -2075,7 +2291,27 @@
                 <a:latin typeface="Calibri"/>
                 <a:ea typeface="DejaVu Sans"/>
               </a:rPr>
-              <a:t>enlist entities as they are modified</a:t>
+              <a:t>enlist</a:t>
+            </a:r>
+            <a:r>
+              <a:rPr b="0" lang="en-GB" sz="1100" spc="-1" strike="noStrike" baseline="33000">
+                <a:solidFill>
+                  <a:srgbClr val="f79646"/>
+                </a:solidFill>
+                <a:latin typeface="Calibri"/>
+                <a:ea typeface="DejaVu Sans"/>
+              </a:rPr>
+              <a:t>3</a:t>
+            </a:r>
+            <a:r>
+              <a:rPr b="0" lang="en-GB" sz="1100" spc="-1" strike="noStrike">
+                <a:solidFill>
+                  <a:srgbClr val="f79646"/>
+                </a:solidFill>
+                <a:latin typeface="Calibri"/>
+                <a:ea typeface="DejaVu Sans"/>
+              </a:rPr>
+              <a:t> entities as they are modified</a:t>
             </a:r>
             <a:endParaRPr b="0" lang="en-US" sz="1100" spc="-1" strike="noStrike">
               <a:latin typeface="Arial"/>
@@ -2085,14 +2321,14 @@
       </p:sp>
       <p:sp>
         <p:nvSpPr>
-          <p:cNvPr id="44" name="CustomShape 9"/>
+          <p:cNvPr id="46" name="CustomShape 9"/>
           <p:cNvSpPr/>
           <p:nvPr/>
         </p:nvSpPr>
         <p:spPr>
           <a:xfrm>
             <a:off x="213840" y="144000"/>
-            <a:ext cx="5905440" cy="2519280"/>
+            <a:ext cx="5904360" cy="2280960"/>
           </a:xfrm>
           <a:prstGeom prst="rect">
             <a:avLst/>
@@ -2146,14 +2382,14 @@
       </p:sp>
       <p:sp>
         <p:nvSpPr>
-          <p:cNvPr id="45" name="CustomShape 10"/>
+          <p:cNvPr id="47" name="CustomShape 10"/>
           <p:cNvSpPr/>
           <p:nvPr/>
         </p:nvSpPr>
         <p:spPr>
           <a:xfrm>
             <a:off x="6294600" y="833760"/>
-            <a:ext cx="1588680" cy="497520"/>
+            <a:ext cx="1587600" cy="496440"/>
           </a:xfrm>
           <a:prstGeom prst="rect">
             <a:avLst/>
@@ -2228,14 +2464,14 @@
       </p:sp>
       <p:sp>
         <p:nvSpPr>
-          <p:cNvPr id="46" name="CustomShape 11"/>
+          <p:cNvPr id="48" name="CustomShape 11"/>
           <p:cNvSpPr/>
           <p:nvPr/>
         </p:nvSpPr>
         <p:spPr>
           <a:xfrm>
             <a:off x="6330600" y="3205440"/>
-            <a:ext cx="1632960" cy="549720"/>
+            <a:ext cx="1631880" cy="548640"/>
           </a:xfrm>
           <a:prstGeom prst="rect">
             <a:avLst/>
@@ -2309,14 +2545,14 @@
       </p:sp>
       <p:sp>
         <p:nvSpPr>
-          <p:cNvPr id="47" name="CustomShape 12"/>
+          <p:cNvPr id="49" name="CustomShape 12"/>
           <p:cNvSpPr/>
           <p:nvPr/>
         </p:nvSpPr>
         <p:spPr>
           <a:xfrm>
-            <a:off x="6201000" y="233280"/>
-            <a:ext cx="1477440" cy="591840"/>
+            <a:off x="6179760" y="233280"/>
+            <a:ext cx="1519200" cy="591840"/>
           </a:xfrm>
           <a:prstGeom prst="rect">
             <a:avLst/>
@@ -2350,7 +2586,27 @@
                 <a:latin typeface="Calibri"/>
                 <a:ea typeface="DejaVu Sans"/>
               </a:rPr>
-              <a:t>publish each execution</a:t>
+              <a:t>publish</a:t>
+            </a:r>
+            <a:r>
+              <a:rPr b="0" lang="en-GB" sz="1100" spc="-1" strike="noStrike" baseline="33000">
+                <a:solidFill>
+                  <a:srgbClr val="336699"/>
+                </a:solidFill>
+                <a:latin typeface="Calibri"/>
+                <a:ea typeface="DejaVu Sans"/>
+              </a:rPr>
+              <a:t>1</a:t>
+            </a:r>
+            <a:r>
+              <a:rPr b="0" lang="en-GB" sz="1100" spc="-1" strike="noStrike">
+                <a:solidFill>
+                  <a:srgbClr val="336699"/>
+                </a:solidFill>
+                <a:latin typeface="Calibri"/>
+                <a:ea typeface="DejaVu Sans"/>
+              </a:rPr>
+              <a:t> each execution</a:t>
             </a:r>
             <a:br/>
             <a:r>
@@ -2361,7 +2617,7 @@
                 <a:latin typeface="Calibri"/>
                 <a:ea typeface="DejaVu Sans"/>
               </a:rPr>
-              <a:t>immediately after it</a:t>
+              <a:t>immediately when it</a:t>
             </a:r>
             <a:endParaRPr b="0" lang="en-US" sz="1100" spc="-1" strike="noStrike">
               <a:latin typeface="Arial"/>
@@ -2391,14 +2647,14 @@
       </p:sp>
       <p:sp>
         <p:nvSpPr>
-          <p:cNvPr id="48" name="CustomShape 13"/>
+          <p:cNvPr id="50" name="CustomShape 13"/>
           <p:cNvSpPr/>
           <p:nvPr/>
         </p:nvSpPr>
         <p:spPr>
           <a:xfrm flipV="1">
-            <a:off x="5400000" y="3743280"/>
-            <a:ext cx="1079280" cy="431280"/>
+            <a:off x="5485320" y="3741840"/>
+            <a:ext cx="992880" cy="397800"/>
           </a:xfrm>
           <a:prstGeom prst="curvedConnector2">
             <a:avLst/>
@@ -2427,14 +2683,14 @@
       </p:sp>
       <p:sp>
         <p:nvSpPr>
-          <p:cNvPr id="49" name="CustomShape 14"/>
+          <p:cNvPr id="51" name="CustomShape 14"/>
           <p:cNvSpPr/>
           <p:nvPr/>
         </p:nvSpPr>
         <p:spPr>
           <a:xfrm>
             <a:off x="6237000" y="3946320"/>
-            <a:ext cx="1530720" cy="591840"/>
+            <a:ext cx="1530000" cy="591840"/>
           </a:xfrm>
           <a:prstGeom prst="rect">
             <a:avLst/>
@@ -2509,14 +2765,14 @@
       </p:sp>
       <p:sp>
         <p:nvSpPr>
-          <p:cNvPr id="50" name="CustomShape 15"/>
+          <p:cNvPr id="52" name="CustomShape 15"/>
           <p:cNvSpPr/>
           <p:nvPr/>
         </p:nvSpPr>
         <p:spPr>
           <a:xfrm>
-            <a:off x="3024000" y="4697280"/>
-            <a:ext cx="2015640" cy="424440"/>
+            <a:off x="3024000" y="4409280"/>
+            <a:ext cx="2014560" cy="424440"/>
           </a:xfrm>
           <a:prstGeom prst="rect">
             <a:avLst/>
@@ -2580,14 +2836,14 @@
       </p:sp>
       <p:sp>
         <p:nvSpPr>
-          <p:cNvPr id="51" name="CustomShape 16"/>
+          <p:cNvPr id="53" name="CustomShape 16"/>
           <p:cNvSpPr/>
           <p:nvPr/>
         </p:nvSpPr>
         <p:spPr>
           <a:xfrm>
-            <a:off x="6216120" y="1554840"/>
-            <a:ext cx="1339560" cy="424440"/>
+            <a:off x="6215400" y="1554840"/>
+            <a:ext cx="1340280" cy="424440"/>
           </a:xfrm>
           <a:prstGeom prst="rect">
             <a:avLst/>
@@ -2621,7 +2877,27 @@
                 <a:latin typeface="Calibri"/>
                 <a:ea typeface="DejaVu Sans"/>
               </a:rPr>
-              <a:t>publish command</a:t>
+              <a:t>publish</a:t>
+            </a:r>
+            <a:r>
+              <a:rPr b="0" lang="en-GB" sz="1100" spc="-1" strike="noStrike" baseline="33000">
+                <a:solidFill>
+                  <a:srgbClr val="666666"/>
+                </a:solidFill>
+                <a:latin typeface="Calibri"/>
+                <a:ea typeface="DejaVu Sans"/>
+              </a:rPr>
+              <a:t>2</a:t>
+            </a:r>
+            <a:r>
+              <a:rPr b="0" lang="en-GB" sz="1100" spc="-1" strike="noStrike">
+                <a:solidFill>
+                  <a:srgbClr val="666666"/>
+                </a:solidFill>
+                <a:latin typeface="Calibri"/>
+                <a:ea typeface="DejaVu Sans"/>
+              </a:rPr>
+              <a:t> command</a:t>
             </a:r>
             <a:endParaRPr b="0" lang="en-US" sz="1100" spc="-1" strike="noStrike">
               <a:latin typeface="Arial"/>
@@ -2651,7 +2927,7 @@
       </p:sp>
       <p:sp>
         <p:nvSpPr>
-          <p:cNvPr id="52" name="CustomShape 17"/>
+          <p:cNvPr id="54" name="CustomShape 17"/>
           <p:cNvSpPr/>
           <p:nvPr/>
         </p:nvSpPr>
@@ -2724,14 +3000,14 @@
       </p:sp>
       <p:sp>
         <p:nvSpPr>
-          <p:cNvPr id="53" name="CustomShape 18"/>
+          <p:cNvPr id="55" name="CustomShape 18"/>
           <p:cNvSpPr/>
           <p:nvPr/>
         </p:nvSpPr>
         <p:spPr>
           <a:xfrm>
             <a:off x="7784640" y="3516840"/>
-            <a:ext cx="494640" cy="576720"/>
+            <a:ext cx="493560" cy="575640"/>
           </a:xfrm>
           <a:prstGeom prst="curvedConnector2">
             <a:avLst/>
@@ -2762,14 +3038,14 @@
       </p:sp>
       <p:sp>
         <p:nvSpPr>
-          <p:cNvPr id="54" name="CustomShape 19"/>
+          <p:cNvPr id="56" name="CustomShape 19"/>
           <p:cNvSpPr/>
           <p:nvPr/>
         </p:nvSpPr>
         <p:spPr>
           <a:xfrm flipV="1" rot="5400000">
-            <a:off x="3855960" y="1347840"/>
-            <a:ext cx="1126080" cy="693360"/>
+            <a:off x="3855960" y="1239480"/>
+            <a:ext cx="1125000" cy="692280"/>
           </a:xfrm>
           <a:prstGeom prst="curvedUpArrow">
             <a:avLst>
@@ -2802,14 +3078,14 @@
       </p:sp>
       <p:sp>
         <p:nvSpPr>
-          <p:cNvPr id="55" name="CustomShape 20"/>
+          <p:cNvPr id="57" name="CustomShape 20"/>
           <p:cNvSpPr/>
           <p:nvPr/>
         </p:nvSpPr>
         <p:spPr>
           <a:xfrm flipH="1">
-            <a:off x="1743480" y="1159200"/>
-            <a:ext cx="488160" cy="360"/>
+            <a:off x="1742040" y="1159200"/>
+            <a:ext cx="487080" cy="360"/>
           </a:xfrm>
           <a:custGeom>
             <a:avLst/>
@@ -2850,14 +3126,14 @@
       </p:sp>
       <p:sp>
         <p:nvSpPr>
-          <p:cNvPr id="56" name="CustomShape 21"/>
+          <p:cNvPr id="58" name="CustomShape 21"/>
           <p:cNvSpPr/>
           <p:nvPr/>
         </p:nvSpPr>
         <p:spPr>
           <a:xfrm>
-            <a:off x="332640" y="3287160"/>
-            <a:ext cx="1047960" cy="719280"/>
+            <a:off x="332640" y="3107160"/>
+            <a:ext cx="1046880" cy="718200"/>
           </a:xfrm>
           <a:prstGeom prst="rect">
             <a:avLst/>
@@ -2937,14 +3213,14 @@
       </p:sp>
       <p:sp>
         <p:nvSpPr>
-          <p:cNvPr id="57" name="CustomShape 22"/>
+          <p:cNvPr id="59" name="CustomShape 22"/>
           <p:cNvSpPr/>
           <p:nvPr/>
         </p:nvSpPr>
         <p:spPr>
           <a:xfrm>
             <a:off x="4196520" y="972000"/>
-            <a:ext cx="2102760" cy="149040"/>
+            <a:ext cx="2101680" cy="147960"/>
           </a:xfrm>
           <a:prstGeom prst="curvedConnector2">
             <a:avLst/>
@@ -2973,14 +3249,14 @@
       </p:sp>
       <p:sp>
         <p:nvSpPr>
-          <p:cNvPr id="58" name="CustomShape 23"/>
+          <p:cNvPr id="60" name="CustomShape 23"/>
           <p:cNvSpPr/>
           <p:nvPr/>
         </p:nvSpPr>
         <p:spPr>
           <a:xfrm>
             <a:off x="8640000" y="6012000"/>
-            <a:ext cx="180000" cy="345600"/>
+            <a:ext cx="178920" cy="344520"/>
           </a:xfrm>
           <a:prstGeom prst="rect">
             <a:avLst/>
@@ -2999,14 +3275,14 @@
       </p:sp>
       <p:sp>
         <p:nvSpPr>
-          <p:cNvPr id="59" name="CustomShape 24"/>
+          <p:cNvPr id="61" name="CustomShape 24"/>
           <p:cNvSpPr/>
           <p:nvPr/>
         </p:nvSpPr>
         <p:spPr>
           <a:xfrm>
             <a:off x="6300000" y="4705560"/>
-            <a:ext cx="1632960" cy="549720"/>
+            <a:ext cx="1631880" cy="548640"/>
           </a:xfrm>
           <a:prstGeom prst="rect">
             <a:avLst/>
@@ -3080,14 +3356,14 @@
       </p:sp>
       <p:sp>
         <p:nvSpPr>
-          <p:cNvPr id="60" name="CustomShape 25"/>
+          <p:cNvPr id="62" name="CustomShape 25"/>
           <p:cNvSpPr/>
           <p:nvPr/>
         </p:nvSpPr>
         <p:spPr>
           <a:xfrm>
-            <a:off x="5487120" y="4320000"/>
-            <a:ext cx="920160" cy="384840"/>
+            <a:off x="5505480" y="4215240"/>
+            <a:ext cx="900720" cy="488520"/>
           </a:xfrm>
           <a:prstGeom prst="curvedConnector2">
             <a:avLst/>
@@ -3116,14 +3392,14 @@
       </p:sp>
       <p:sp>
         <p:nvSpPr>
-          <p:cNvPr id="61" name="CustomShape 26"/>
+          <p:cNvPr id="63" name="CustomShape 26"/>
           <p:cNvSpPr/>
           <p:nvPr/>
         </p:nvSpPr>
         <p:spPr>
           <a:xfrm>
             <a:off x="6300000" y="1980000"/>
-            <a:ext cx="1574640" cy="497520"/>
+            <a:ext cx="1573560" cy="496440"/>
           </a:xfrm>
           <a:prstGeom prst="rect">
             <a:avLst/>
@@ -3198,14 +3474,14 @@
       </p:sp>
       <p:sp>
         <p:nvSpPr>
-          <p:cNvPr id="62" name="CustomShape 27"/>
+          <p:cNvPr id="64" name="CustomShape 27"/>
           <p:cNvSpPr/>
           <p:nvPr/>
         </p:nvSpPr>
         <p:spPr>
           <a:xfrm>
             <a:off x="8208000" y="4094280"/>
-            <a:ext cx="1632960" cy="549720"/>
+            <a:ext cx="1631880" cy="548640"/>
           </a:xfrm>
           <a:prstGeom prst="rect">
             <a:avLst/>
@@ -3213,10 +3489,10 @@
           <a:gradFill rotWithShape="0">
             <a:gsLst>
               <a:gs pos="0">
-                <a:srgbClr val="ffffff"/>
+                <a:srgbClr val="eeeeee"/>
               </a:gs>
               <a:gs pos="100000">
-                <a:srgbClr val="ffffff">
+                <a:srgbClr val="eeeeee">
                   <a:alpha val="0"/>
                 </a:srgbClr>
               </a:gs>
@@ -3294,14 +3570,14 @@
       </p:sp>
       <p:sp>
         <p:nvSpPr>
-          <p:cNvPr id="63" name="CustomShape 28"/>
+          <p:cNvPr id="65" name="CustomShape 28"/>
           <p:cNvSpPr/>
           <p:nvPr/>
         </p:nvSpPr>
         <p:spPr>
           <a:xfrm>
             <a:off x="8230320" y="5724000"/>
-            <a:ext cx="1632960" cy="549720"/>
+            <a:ext cx="1631880" cy="548640"/>
           </a:xfrm>
           <a:prstGeom prst="rect">
             <a:avLst/>
@@ -3309,10 +3585,10 @@
           <a:gradFill rotWithShape="0">
             <a:gsLst>
               <a:gs pos="0">
-                <a:srgbClr val="ffffff"/>
+                <a:srgbClr val="eeeeee"/>
               </a:gs>
               <a:gs pos="100000">
-                <a:srgbClr val="ffffff">
+                <a:srgbClr val="eeeeee">
                   <a:alpha val="0"/>
                 </a:srgbClr>
               </a:gs>
@@ -3390,14 +3666,14 @@
       </p:sp>
       <p:sp>
         <p:nvSpPr>
-          <p:cNvPr id="64" name="CustomShape 29"/>
+          <p:cNvPr id="66" name="CustomShape 29"/>
           <p:cNvSpPr/>
           <p:nvPr/>
         </p:nvSpPr>
         <p:spPr>
           <a:xfrm>
             <a:off x="7790400" y="5152680"/>
-            <a:ext cx="488880" cy="570600"/>
+            <a:ext cx="487800" cy="569520"/>
           </a:xfrm>
           <a:prstGeom prst="curvedConnector2">
             <a:avLst/>
@@ -3428,20 +3704,20 @@
       </p:sp>
       <p:sp>
         <p:nvSpPr>
-          <p:cNvPr id="65" name="CustomShape 30"/>
+          <p:cNvPr id="67" name="CustomShape 30"/>
           <p:cNvSpPr/>
           <p:nvPr/>
         </p:nvSpPr>
         <p:spPr>
           <a:xfrm>
             <a:off x="8136000" y="1332000"/>
-            <a:ext cx="1588680" cy="497520"/>
+            <a:ext cx="1587600" cy="496440"/>
           </a:xfrm>
           <a:prstGeom prst="rect">
             <a:avLst/>
           </a:prstGeom>
           <a:solidFill>
-            <a:srgbClr val="ffffff"/>
+            <a:srgbClr val="eeeeee"/>
           </a:solidFill>
           <a:ln>
             <a:solidFill>
@@ -3515,14 +3791,14 @@
       </p:sp>
       <p:sp>
         <p:nvSpPr>
-          <p:cNvPr id="66" name="CustomShape 31"/>
+          <p:cNvPr id="68" name="CustomShape 31"/>
           <p:cNvSpPr/>
           <p:nvPr/>
         </p:nvSpPr>
         <p:spPr>
           <a:xfrm>
             <a:off x="7691760" y="2048760"/>
-            <a:ext cx="1199520" cy="428760"/>
+            <a:ext cx="1198440" cy="427680"/>
           </a:xfrm>
           <a:prstGeom prst="curvedConnector2">
             <a:avLst/>
@@ -3551,20 +3827,20 @@
       </p:sp>
       <p:sp>
         <p:nvSpPr>
-          <p:cNvPr id="67" name="CustomShape 32"/>
+          <p:cNvPr id="69" name="CustomShape 32"/>
           <p:cNvSpPr/>
           <p:nvPr/>
         </p:nvSpPr>
         <p:spPr>
           <a:xfrm>
             <a:off x="8138880" y="2464920"/>
-            <a:ext cx="1580400" cy="497520"/>
+            <a:ext cx="1579320" cy="496440"/>
           </a:xfrm>
           <a:prstGeom prst="rect">
             <a:avLst/>
           </a:prstGeom>
           <a:solidFill>
-            <a:srgbClr val="ffffff"/>
+            <a:srgbClr val="eeeeee"/>
           </a:solidFill>
           <a:ln>
             <a:solidFill>
@@ -3638,14 +3914,14 @@
       </p:sp>
       <p:sp>
         <p:nvSpPr>
-          <p:cNvPr id="68" name="CustomShape 33"/>
+          <p:cNvPr id="70" name="CustomShape 33"/>
           <p:cNvSpPr/>
           <p:nvPr/>
         </p:nvSpPr>
         <p:spPr>
           <a:xfrm rot="16206000">
-            <a:off x="5776560" y="1960560"/>
-            <a:ext cx="143280" cy="898920"/>
+            <a:off x="5758920" y="1751760"/>
+            <a:ext cx="177840" cy="896400"/>
           </a:xfrm>
           <a:prstGeom prst="curvedConnector3">
             <a:avLst>
@@ -3676,14 +3952,14 @@
       </p:sp>
       <p:sp>
         <p:nvSpPr>
-          <p:cNvPr id="69" name="CustomShape 34"/>
+          <p:cNvPr id="71" name="CustomShape 34"/>
           <p:cNvSpPr/>
           <p:nvPr/>
         </p:nvSpPr>
         <p:spPr>
           <a:xfrm>
             <a:off x="8263800" y="3475440"/>
-            <a:ext cx="1667880" cy="591840"/>
+            <a:ext cx="1667160" cy="591840"/>
           </a:xfrm>
           <a:prstGeom prst="rect">
             <a:avLst/>
@@ -3767,14 +4043,14 @@
       </p:sp>
       <p:sp>
         <p:nvSpPr>
-          <p:cNvPr id="70" name="CustomShape 35"/>
+          <p:cNvPr id="72" name="CustomShape 35"/>
           <p:cNvSpPr/>
           <p:nvPr/>
         </p:nvSpPr>
         <p:spPr>
           <a:xfrm>
             <a:off x="8203320" y="5023440"/>
-            <a:ext cx="1684440" cy="591840"/>
+            <a:ext cx="1683720" cy="591840"/>
           </a:xfrm>
           <a:prstGeom prst="rect">
             <a:avLst/>
@@ -3858,14 +4134,14 @@
       </p:sp>
       <p:sp>
         <p:nvSpPr>
-          <p:cNvPr id="71" name="CustomShape 36"/>
+          <p:cNvPr id="73" name="CustomShape 36"/>
           <p:cNvSpPr/>
           <p:nvPr/>
         </p:nvSpPr>
         <p:spPr>
           <a:xfrm>
-            <a:off x="2880000" y="2880000"/>
-            <a:ext cx="3059280" cy="539280"/>
+            <a:off x="2880000" y="2628000"/>
+            <a:ext cx="3058200" cy="538200"/>
           </a:xfrm>
           <a:prstGeom prst="rect">
             <a:avLst/>
@@ -3919,14 +4195,14 @@
       </p:sp>
       <p:sp>
         <p:nvSpPr>
-          <p:cNvPr id="72" name="CustomShape 37"/>
+          <p:cNvPr id="74" name="CustomShape 37"/>
           <p:cNvSpPr/>
           <p:nvPr/>
         </p:nvSpPr>
         <p:spPr>
           <a:xfrm flipH="1">
-            <a:off x="5112720" y="3420000"/>
-            <a:ext cx="360" cy="700200"/>
+            <a:off x="5110560" y="3168000"/>
+            <a:ext cx="360" cy="699120"/>
           </a:xfrm>
           <a:custGeom>
             <a:avLst/>
@@ -3968,14 +4244,14 @@
       </p:sp>
       <p:sp>
         <p:nvSpPr>
-          <p:cNvPr id="73" name="CustomShape 38"/>
+          <p:cNvPr id="75" name="CustomShape 38"/>
           <p:cNvSpPr/>
           <p:nvPr/>
         </p:nvSpPr>
         <p:spPr>
           <a:xfrm>
-            <a:off x="180360" y="2678760"/>
-            <a:ext cx="1139040" cy="591840"/>
+            <a:off x="180360" y="2498760"/>
+            <a:ext cx="1138320" cy="591840"/>
           </a:xfrm>
           <a:prstGeom prst="rect">
             <a:avLst/>
@@ -4059,14 +4335,14 @@
       </p:sp>
       <p:sp>
         <p:nvSpPr>
-          <p:cNvPr id="74" name="CustomShape 39"/>
+          <p:cNvPr id="76" name="CustomShape 39"/>
           <p:cNvSpPr/>
           <p:nvPr/>
         </p:nvSpPr>
         <p:spPr>
           <a:xfrm rot="5400000">
-            <a:off x="930240" y="2874240"/>
-            <a:ext cx="785880" cy="5040"/>
+            <a:off x="931320" y="2694240"/>
+            <a:ext cx="784800" cy="3960"/>
           </a:xfrm>
           <a:prstGeom prst="curvedConnector3">
             <a:avLst>
@@ -4097,14 +4373,14 @@
       </p:sp>
       <p:sp>
         <p:nvSpPr>
-          <p:cNvPr id="75" name="CustomShape 40"/>
+          <p:cNvPr id="77" name="CustomShape 40"/>
           <p:cNvSpPr/>
           <p:nvPr/>
         </p:nvSpPr>
         <p:spPr>
           <a:xfrm>
-            <a:off x="3888000" y="2664000"/>
-            <a:ext cx="360" cy="215280"/>
+            <a:off x="3888000" y="2412000"/>
+            <a:ext cx="360" cy="214200"/>
           </a:xfrm>
           <a:custGeom>
             <a:avLst/>
@@ -4145,14 +4421,14 @@
       </p:sp>
       <p:sp>
         <p:nvSpPr>
-          <p:cNvPr id="76" name="CustomShape 41"/>
+          <p:cNvPr id="78" name="CustomShape 41"/>
           <p:cNvSpPr/>
           <p:nvPr/>
         </p:nvSpPr>
         <p:spPr>
           <a:xfrm>
             <a:off x="7747560" y="895320"/>
-            <a:ext cx="1199520" cy="428760"/>
+            <a:ext cx="1198440" cy="427680"/>
           </a:xfrm>
           <a:prstGeom prst="curvedConnector2">
             <a:avLst/>
@@ -4181,14 +4457,14 @@
       </p:sp>
       <p:sp>
         <p:nvSpPr>
-          <p:cNvPr id="77" name="CustomShape 42"/>
+          <p:cNvPr id="79" name="CustomShape 42"/>
           <p:cNvSpPr/>
           <p:nvPr/>
         </p:nvSpPr>
         <p:spPr>
-          <a:xfrm flipH="1">
-            <a:off x="4967280" y="4639680"/>
-            <a:ext cx="7200" cy="725400"/>
+          <a:xfrm>
+            <a:off x="4964760" y="4397760"/>
+            <a:ext cx="1080" cy="678240"/>
           </a:xfrm>
           <a:prstGeom prst="curvedConnector2">
             <a:avLst/>
@@ -4217,14 +4493,14 @@
       </p:sp>
       <p:sp>
         <p:nvSpPr>
-          <p:cNvPr id="78" name="CustomShape 43"/>
+          <p:cNvPr id="80" name="CustomShape 43"/>
           <p:cNvSpPr/>
           <p:nvPr/>
         </p:nvSpPr>
         <p:spPr>
           <a:xfrm flipH="1">
-            <a:off x="5286960" y="4635000"/>
-            <a:ext cx="360" cy="730080"/>
+            <a:off x="5285160" y="4397760"/>
+            <a:ext cx="4320" cy="678240"/>
           </a:xfrm>
           <a:prstGeom prst="curvedConnector2">
             <a:avLst/>
@@ -4253,14 +4529,14 @@
       </p:sp>
       <p:sp>
         <p:nvSpPr>
-          <p:cNvPr id="79" name="CustomShape 44"/>
+          <p:cNvPr id="81" name="CustomShape 44"/>
           <p:cNvSpPr/>
           <p:nvPr/>
         </p:nvSpPr>
         <p:spPr>
           <a:xfrm flipH="1">
-            <a:off x="2374920" y="2520000"/>
-            <a:ext cx="360" cy="2840400"/>
+            <a:off x="2373120" y="2296800"/>
+            <a:ext cx="11520" cy="2774520"/>
           </a:xfrm>
           <a:prstGeom prst="curvedConnector2">
             <a:avLst/>
@@ -4289,14 +4565,14 @@
       </p:sp>
       <p:sp>
         <p:nvSpPr>
-          <p:cNvPr id="80" name="CustomShape 45"/>
+          <p:cNvPr id="82" name="CustomShape 45"/>
           <p:cNvSpPr/>
           <p:nvPr/>
         </p:nvSpPr>
         <p:spPr>
           <a:xfrm>
-            <a:off x="2052000" y="5365440"/>
-            <a:ext cx="935280" cy="574200"/>
+            <a:off x="2052000" y="5077440"/>
+            <a:ext cx="934200" cy="573120"/>
           </a:xfrm>
           <a:prstGeom prst="rect">
             <a:avLst/>
@@ -4372,14 +4648,14 @@
       </p:sp>
       <p:sp>
         <p:nvSpPr>
-          <p:cNvPr id="81" name="CustomShape 46"/>
+          <p:cNvPr id="83" name="CustomShape 46"/>
           <p:cNvSpPr/>
           <p:nvPr/>
         </p:nvSpPr>
         <p:spPr>
           <a:xfrm>
-            <a:off x="684000" y="4716000"/>
-            <a:ext cx="1799640" cy="424440"/>
+            <a:off x="684000" y="4428000"/>
+            <a:ext cx="1798560" cy="424440"/>
           </a:xfrm>
           <a:prstGeom prst="rect">
             <a:avLst/>
@@ -4443,14 +4719,14 @@
       </p:sp>
       <p:sp>
         <p:nvSpPr>
-          <p:cNvPr id="82" name="CustomShape 47"/>
+          <p:cNvPr id="84" name="CustomShape 47"/>
           <p:cNvSpPr/>
           <p:nvPr/>
         </p:nvSpPr>
         <p:spPr>
           <a:xfrm flipH="1">
-            <a:off x="2662920" y="2515320"/>
-            <a:ext cx="360" cy="2840400"/>
+            <a:off x="2660760" y="2289960"/>
+            <a:ext cx="360" cy="2776680"/>
           </a:xfrm>
           <a:prstGeom prst="curvedConnector2">
             <a:avLst/>
@@ -4476,6 +4752,189 @@
           </a:effectRef>
           <a:fontRef idx="minor"/>
         </p:style>
+      </p:sp>
+      <p:sp>
+        <p:nvSpPr>
+          <p:cNvPr id="85" name="CustomShape 48"/>
+          <p:cNvSpPr/>
+          <p:nvPr/>
+        </p:nvSpPr>
+        <p:spPr>
+          <a:xfrm>
+            <a:off x="8019000" y="180000"/>
+            <a:ext cx="1340280" cy="424440"/>
+          </a:xfrm>
+          <a:prstGeom prst="rect">
+            <a:avLst/>
+          </a:prstGeom>
+          <a:noFill/>
+          <a:ln w="0">
+            <a:noFill/>
+          </a:ln>
+        </p:spPr>
+        <p:style>
+          <a:lnRef idx="0"/>
+          <a:fillRef idx="0"/>
+          <a:effectRef idx="0"/>
+          <a:fontRef idx="minor"/>
+        </p:style>
+        <p:txBody>
+          <a:bodyPr wrap="none" lIns="90000" rIns="90000" tIns="45000" bIns="45000">
+            <a:spAutoFit/>
+          </a:bodyPr>
+          <a:p>
+            <a:pPr>
+              <a:lnSpc>
+                <a:spcPct val="100000"/>
+              </a:lnSpc>
+            </a:pPr>
+            <a:r>
+              <a:rPr b="0" lang="en-GB" sz="1100" spc="-1" strike="noStrike">
+                <a:solidFill>
+                  <a:srgbClr val="666666"/>
+                </a:solidFill>
+                <a:latin typeface="Calibri"/>
+                <a:ea typeface="DejaVu Sans"/>
+              </a:rPr>
+              <a:t>publish command</a:t>
+            </a:r>
+            <a:endParaRPr b="0" lang="en-US" sz="1100" spc="-1" strike="noStrike">
+              <a:latin typeface="Arial"/>
+            </a:endParaRPr>
+          </a:p>
+          <a:p>
+            <a:pPr>
+              <a:lnSpc>
+                <a:spcPct val="100000"/>
+              </a:lnSpc>
+            </a:pPr>
+            <a:r>
+              <a:rPr b="0" lang="en-GB" sz="1100" spc="-1" strike="noStrike">
+                <a:solidFill>
+                  <a:srgbClr val="666666"/>
+                </a:solidFill>
+                <a:latin typeface="Calibri"/>
+                <a:ea typeface="DejaVu Sans"/>
+              </a:rPr>
+              <a:t>at end of interaction</a:t>
+            </a:r>
+            <a:endParaRPr b="0" lang="en-US" sz="1100" spc="-1" strike="noStrike">
+              <a:latin typeface="Arial"/>
+            </a:endParaRPr>
+          </a:p>
+        </p:txBody>
+      </p:sp>
+      <p:sp>
+        <p:nvSpPr>
+          <p:cNvPr id="86" name="TextShape 49"/>
+          <p:cNvSpPr txBox="1"/>
+          <p:nvPr/>
+        </p:nvSpPr>
+        <p:spPr>
+          <a:xfrm>
+            <a:off x="360000" y="5904000"/>
+            <a:ext cx="7200000" cy="479160"/>
+          </a:xfrm>
+          <a:prstGeom prst="rect">
+            <a:avLst/>
+          </a:prstGeom>
+          <a:noFill/>
+          <a:ln w="0">
+            <a:noFill/>
+          </a:ln>
+        </p:spPr>
+        <p:txBody>
+          <a:bodyPr lIns="90000" rIns="90000" tIns="45000" bIns="45000">
+            <a:noAutofit/>
+          </a:bodyPr>
+          <a:p>
+            <a:r>
+              <a:rPr b="0" lang="en-US" sz="900" spc="-1" strike="noStrike" baseline="33000">
+                <a:latin typeface="Courier New"/>
+              </a:rPr>
+              <a:t>1</a:t>
+            </a:r>
+            <a:r>
+              <a:rPr b="0" lang="en-US" sz="900" spc="-1" strike="noStrike">
+                <a:latin typeface="Courier New"/>
+              </a:rPr>
+              <a:t> @Action/@Property(commandPublishing=ENABLED/DISABLED)</a:t>
+            </a:r>
+            <a:r>
+              <a:rPr b="0" lang="en-US" sz="900" spc="-1" strike="noStrike">
+                <a:latin typeface="Consolas"/>
+              </a:rPr>
+              <a:t> </a:t>
+            </a:r>
+            <a:r>
+              <a:rPr b="0" lang="en-US" sz="900" spc="-1" strike="noStrike">
+                <a:latin typeface="Calibri Light"/>
+              </a:rPr>
+              <a:t>... affects Command publishing</a:t>
+            </a:r>
+            <a:endParaRPr b="0" lang="en-US" sz="900" spc="-1" strike="noStrike">
+              <a:latin typeface="Consolas"/>
+            </a:endParaRPr>
+          </a:p>
+          <a:p>
+            <a:r>
+              <a:rPr b="0" lang="en-US" sz="900" spc="-1" strike="noStrike" baseline="33000">
+                <a:latin typeface="Courier New"/>
+              </a:rPr>
+              <a:t>2</a:t>
+            </a:r>
+            <a:r>
+              <a:rPr b="0" lang="en-US" sz="900" spc="-1" strike="noStrike">
+                <a:latin typeface="Courier New"/>
+              </a:rPr>
+              <a:t> @Action/@Property(executionPublishing=ENABLED/DISABLED)</a:t>
+            </a:r>
+            <a:r>
+              <a:rPr b="0" lang="en-US" sz="900" spc="-1" strike="noStrike">
+                <a:latin typeface="Consolas"/>
+              </a:rPr>
+              <a:t> </a:t>
+            </a:r>
+            <a:r>
+              <a:rPr b="0" lang="en-US" sz="900" spc="-1" strike="noStrike">
+                <a:latin typeface="Calibri Light"/>
+              </a:rPr>
+              <a:t>... affects Execution publishing</a:t>
+            </a:r>
+            <a:endParaRPr b="0" lang="en-US" sz="900" spc="-1" strike="noStrike">
+              <a:latin typeface="Consolas"/>
+            </a:endParaRPr>
+          </a:p>
+          <a:p>
+            <a:r>
+              <a:rPr b="0" lang="en-US" sz="900" spc="-1" strike="noStrike" baseline="33000">
+                <a:latin typeface="Courier New"/>
+              </a:rPr>
+              <a:t>3</a:t>
+            </a:r>
+            <a:r>
+              <a:rPr b="0" lang="en-US" sz="900" spc="-1" strike="noStrike">
+                <a:latin typeface="Courier New"/>
+              </a:rPr>
+              <a:t> @DomainObject(entityChangePublishing=ENABLED/DISABLED)</a:t>
+            </a:r>
+            <a:r>
+              <a:rPr b="0" lang="en-US" sz="900" spc="-1" strike="noStrike">
+                <a:latin typeface="Consolas"/>
+              </a:rPr>
+              <a:t> </a:t>
+            </a:r>
+            <a:r>
+              <a:rPr b="0" lang="en-US" sz="900" spc="-1" strike="noStrike">
+                <a:latin typeface="Calibri Light"/>
+              </a:rPr>
+              <a:t>... affects publishing of entity changes</a:t>
+            </a:r>
+            <a:endParaRPr b="0" lang="en-US" sz="900" spc="-1" strike="noStrike">
+              <a:latin typeface="Consolas"/>
+            </a:endParaRPr>
+          </a:p>
+        </p:txBody>
       </p:sp>
     </p:spTree>
   </p:cSld>
